--- a/LABS/LAB04/LAB04-VectorsVSTransform.pptx
+++ b/LABS/LAB04/LAB04-VectorsVSTransform.pptx
@@ -9,12 +9,12 @@
   </p:notesMasterIdLst>
   <p:sldIdLst>
     <p:sldId id="256" r:id="rId2"/>
-    <p:sldId id="288" r:id="rId3"/>
-    <p:sldId id="291" r:id="rId4"/>
-    <p:sldId id="292" r:id="rId5"/>
-    <p:sldId id="293" r:id="rId6"/>
-    <p:sldId id="289" r:id="rId7"/>
-    <p:sldId id="290" r:id="rId8"/>
+    <p:sldId id="292" r:id="rId3"/>
+    <p:sldId id="288" r:id="rId4"/>
+    <p:sldId id="293" r:id="rId5"/>
+    <p:sldId id="289" r:id="rId6"/>
+    <p:sldId id="290" r:id="rId7"/>
+    <p:sldId id="291" r:id="rId8"/>
     <p:sldId id="294" r:id="rId9"/>
   </p:sldIdLst>
   <p:sldSz cx="9144000" cy="6858000" type="screen4x3"/>
@@ -1453,7 +1453,7 @@
           </a:lstStyle>
           <a:p>
             <a:r>
-              <a:rPr lang="en-US" smtClean="0"/>
+              <a:rPr lang="en-US"/>
               <a:t>Click to edit Master title style</a:t>
             </a:r>
             <a:endParaRPr lang="en-US" dirty="0"/>
@@ -1573,7 +1573,7 @@
           </a:lstStyle>
           <a:p>
             <a:r>
-              <a:rPr lang="en-US" smtClean="0"/>
+              <a:rPr lang="en-US"/>
               <a:t>Click to edit Master subtitle style</a:t>
             </a:r>
             <a:endParaRPr lang="en-US" dirty="0"/>
@@ -1802,7 +1802,7 @@
           </a:lstStyle>
           <a:p>
             <a:r>
-              <a:rPr lang="en-US" smtClean="0"/>
+              <a:rPr lang="en-US"/>
               <a:t>Click to edit Master title style</a:t>
             </a:r>
             <a:endParaRPr lang="en-US" dirty="0"/>
@@ -1925,7 +1925,7 @@
           <a:p>
             <a:pPr lvl="0"/>
             <a:r>
-              <a:rPr lang="en-US" smtClean="0"/>
+              <a:rPr lang="en-US"/>
               <a:t>Click to edit Master text styles</a:t>
             </a:r>
           </a:p>
@@ -2158,7 +2158,7 @@
           </a:lstStyle>
           <a:p>
             <a:r>
-              <a:rPr lang="en-US" smtClean="0"/>
+              <a:rPr lang="en-US"/>
               <a:t>Click to edit Master title style</a:t>
             </a:r>
             <a:endParaRPr lang="en-US" dirty="0"/>
@@ -2222,7 +2222,7 @@
           <a:p>
             <a:pPr lvl="0"/>
             <a:r>
-              <a:rPr lang="en-US" smtClean="0"/>
+              <a:rPr lang="en-US"/>
               <a:t>Click to edit Master text styles</a:t>
             </a:r>
           </a:p>
@@ -2344,7 +2344,7 @@
           <a:p>
             <a:pPr lvl="0"/>
             <a:r>
-              <a:rPr lang="en-US" smtClean="0"/>
+              <a:rPr lang="en-US"/>
               <a:t>Click to edit Master text styles</a:t>
             </a:r>
           </a:p>
@@ -2653,7 +2653,7 @@
           </a:lstStyle>
           <a:p>
             <a:r>
-              <a:rPr lang="en-US" smtClean="0"/>
+              <a:rPr lang="en-US"/>
               <a:t>Click to edit Master title style</a:t>
             </a:r>
             <a:endParaRPr lang="en-US" dirty="0"/>
@@ -2698,7 +2698,7 @@
               <a:buNone/>
             </a:pPr>
             <a:r>
-              <a:rPr lang="en-US" smtClean="0"/>
+              <a:rPr lang="en-US"/>
               <a:t>Click to edit Master text styles</a:t>
             </a:r>
           </a:p>
@@ -2931,7 +2931,7 @@
           </a:lstStyle>
           <a:p>
             <a:r>
-              <a:rPr lang="en-US" smtClean="0"/>
+              <a:rPr lang="en-US"/>
               <a:t>Click to edit Master title style</a:t>
             </a:r>
             <a:endParaRPr lang="en-US" dirty="0"/>
@@ -2992,7 +2992,7 @@
           <a:p>
             <a:pPr lvl="0"/>
             <a:r>
-              <a:rPr lang="en-US" smtClean="0"/>
+              <a:rPr lang="en-US"/>
               <a:t>Click to edit Master text styles</a:t>
             </a:r>
           </a:p>
@@ -3036,7 +3036,7 @@
               <a:buNone/>
             </a:pPr>
             <a:r>
-              <a:rPr lang="en-US" smtClean="0"/>
+              <a:rPr lang="en-US"/>
               <a:t>Click to edit Master text styles</a:t>
             </a:r>
           </a:p>
@@ -3345,7 +3345,7 @@
           </a:lstStyle>
           <a:p>
             <a:r>
-              <a:rPr lang="en-US" smtClean="0"/>
+              <a:rPr lang="en-US"/>
               <a:t>Click to edit Master title style</a:t>
             </a:r>
             <a:endParaRPr lang="en-US" dirty="0"/>
@@ -3406,7 +3406,7 @@
           <a:p>
             <a:pPr lvl="0"/>
             <a:r>
-              <a:rPr lang="en-US" smtClean="0"/>
+              <a:rPr lang="en-US"/>
               <a:t>Click to edit Master text styles</a:t>
             </a:r>
           </a:p>
@@ -3450,7 +3450,7 @@
               <a:buNone/>
             </a:pPr>
             <a:r>
-              <a:rPr lang="en-US" smtClean="0"/>
+              <a:rPr lang="en-US"/>
               <a:t>Click to edit Master text styles</a:t>
             </a:r>
           </a:p>
@@ -3672,7 +3672,7 @@
           <a:lstStyle/>
           <a:p>
             <a:r>
-              <a:rPr lang="en-US" smtClean="0"/>
+              <a:rPr lang="en-US"/>
               <a:t>Click to edit Master title style</a:t>
             </a:r>
             <a:endParaRPr lang="en-US" dirty="0"/>
@@ -3696,35 +3696,35 @@
           <a:p>
             <a:pPr lvl="0"/>
             <a:r>
-              <a:rPr lang="en-US" smtClean="0"/>
+              <a:rPr lang="en-US"/>
               <a:t>Click to edit Master text styles</a:t>
             </a:r>
           </a:p>
           <a:p>
             <a:pPr lvl="1"/>
             <a:r>
-              <a:rPr lang="en-US" smtClean="0"/>
+              <a:rPr lang="en-US"/>
               <a:t>Second level</a:t>
             </a:r>
           </a:p>
           <a:p>
             <a:pPr lvl="2"/>
             <a:r>
-              <a:rPr lang="en-US" smtClean="0"/>
+              <a:rPr lang="en-US"/>
               <a:t>Third level</a:t>
             </a:r>
           </a:p>
           <a:p>
             <a:pPr lvl="3"/>
             <a:r>
-              <a:rPr lang="en-US" smtClean="0"/>
+              <a:rPr lang="en-US"/>
               <a:t>Fourth level</a:t>
             </a:r>
           </a:p>
           <a:p>
             <a:pPr lvl="4"/>
             <a:r>
-              <a:rPr lang="en-US" smtClean="0"/>
+              <a:rPr lang="en-US"/>
               <a:t>Fifth level</a:t>
             </a:r>
             <a:endParaRPr lang="en-US" dirty="0"/>
@@ -3946,7 +3946,7 @@
           <a:lstStyle/>
           <a:p>
             <a:r>
-              <a:rPr lang="en-US" smtClean="0"/>
+              <a:rPr lang="en-US"/>
               <a:t>Click to edit Master title style</a:t>
             </a:r>
             <a:endParaRPr lang="en-US" dirty="0"/>
@@ -3975,35 +3975,35 @@
           <a:p>
             <a:pPr lvl="0"/>
             <a:r>
-              <a:rPr lang="en-US" smtClean="0"/>
+              <a:rPr lang="en-US"/>
               <a:t>Click to edit Master text styles</a:t>
             </a:r>
           </a:p>
           <a:p>
             <a:pPr lvl="1"/>
             <a:r>
-              <a:rPr lang="en-US" smtClean="0"/>
+              <a:rPr lang="en-US"/>
               <a:t>Second level</a:t>
             </a:r>
           </a:p>
           <a:p>
             <a:pPr lvl="2"/>
             <a:r>
-              <a:rPr lang="en-US" smtClean="0"/>
+              <a:rPr lang="en-US"/>
               <a:t>Third level</a:t>
             </a:r>
           </a:p>
           <a:p>
             <a:pPr lvl="3"/>
             <a:r>
-              <a:rPr lang="en-US" smtClean="0"/>
+              <a:rPr lang="en-US"/>
               <a:t>Fourth level</a:t>
             </a:r>
           </a:p>
           <a:p>
             <a:pPr lvl="4"/>
             <a:r>
-              <a:rPr lang="en-US" smtClean="0"/>
+              <a:rPr lang="en-US"/>
               <a:t>Fifth level</a:t>
             </a:r>
             <a:endParaRPr lang="en-US" dirty="0"/>
@@ -4785,7 +4785,7 @@
           <a:lstStyle/>
           <a:p>
             <a:r>
-              <a:rPr lang="en-US" smtClean="0"/>
+              <a:rPr lang="en-US"/>
               <a:t>Click to edit Master title style</a:t>
             </a:r>
             <a:endParaRPr lang="en-US" dirty="0"/>
@@ -4814,35 +4814,35 @@
           <a:p>
             <a:pPr lvl="0"/>
             <a:r>
-              <a:rPr lang="en-US" smtClean="0"/>
+              <a:rPr lang="en-US"/>
               <a:t>Click to edit Master text styles</a:t>
             </a:r>
           </a:p>
           <a:p>
             <a:pPr lvl="1"/>
             <a:r>
-              <a:rPr lang="en-US" smtClean="0"/>
+              <a:rPr lang="en-US"/>
               <a:t>Second level</a:t>
             </a:r>
           </a:p>
           <a:p>
             <a:pPr lvl="2"/>
             <a:r>
-              <a:rPr lang="en-US" smtClean="0"/>
+              <a:rPr lang="en-US"/>
               <a:t>Third level</a:t>
             </a:r>
           </a:p>
           <a:p>
             <a:pPr lvl="3"/>
             <a:r>
-              <a:rPr lang="en-US" smtClean="0"/>
+              <a:rPr lang="en-US"/>
               <a:t>Fourth level</a:t>
             </a:r>
           </a:p>
           <a:p>
             <a:pPr lvl="4"/>
             <a:r>
-              <a:rPr lang="en-US" smtClean="0"/>
+              <a:rPr lang="en-US"/>
               <a:t>Fifth level</a:t>
             </a:r>
             <a:endParaRPr lang="en-US" dirty="0"/>
@@ -5069,7 +5069,7 @@
           </a:lstStyle>
           <a:p>
             <a:r>
-              <a:rPr lang="en-US" smtClean="0"/>
+              <a:rPr lang="en-US"/>
               <a:t>Click to edit Master title style</a:t>
             </a:r>
             <a:endParaRPr lang="en-US" dirty="0"/>
@@ -5190,7 +5190,7 @@
           <a:p>
             <a:pPr lvl="0"/>
             <a:r>
-              <a:rPr lang="en-US" smtClean="0"/>
+              <a:rPr lang="en-US"/>
               <a:t>Click to edit Master text styles</a:t>
             </a:r>
           </a:p>
@@ -5411,7 +5411,7 @@
           <a:lstStyle/>
           <a:p>
             <a:r>
-              <a:rPr lang="en-US" smtClean="0"/>
+              <a:rPr lang="en-US"/>
               <a:t>Click to edit Master title style</a:t>
             </a:r>
             <a:endParaRPr lang="en-US" dirty="0"/>
@@ -5442,35 +5442,35 @@
           <a:p>
             <a:pPr lvl="0"/>
             <a:r>
-              <a:rPr lang="en-US" smtClean="0"/>
+              <a:rPr lang="en-US"/>
               <a:t>Click to edit Master text styles</a:t>
             </a:r>
           </a:p>
           <a:p>
             <a:pPr lvl="1"/>
             <a:r>
-              <a:rPr lang="en-US" smtClean="0"/>
+              <a:rPr lang="en-US"/>
               <a:t>Second level</a:t>
             </a:r>
           </a:p>
           <a:p>
             <a:pPr lvl="2"/>
             <a:r>
-              <a:rPr lang="en-US" smtClean="0"/>
+              <a:rPr lang="en-US"/>
               <a:t>Third level</a:t>
             </a:r>
           </a:p>
           <a:p>
             <a:pPr lvl="3"/>
             <a:r>
-              <a:rPr lang="en-US" smtClean="0"/>
+              <a:rPr lang="en-US"/>
               <a:t>Fourth level</a:t>
             </a:r>
           </a:p>
           <a:p>
             <a:pPr lvl="4"/>
             <a:r>
-              <a:rPr lang="en-US" smtClean="0"/>
+              <a:rPr lang="en-US"/>
               <a:t>Fifth level</a:t>
             </a:r>
             <a:endParaRPr lang="en-US" dirty="0"/>
@@ -5501,35 +5501,35 @@
           <a:p>
             <a:pPr lvl="0"/>
             <a:r>
-              <a:rPr lang="en-US" smtClean="0"/>
+              <a:rPr lang="en-US"/>
               <a:t>Click to edit Master text styles</a:t>
             </a:r>
           </a:p>
           <a:p>
             <a:pPr lvl="1"/>
             <a:r>
-              <a:rPr lang="en-US" smtClean="0"/>
+              <a:rPr lang="en-US"/>
               <a:t>Second level</a:t>
             </a:r>
           </a:p>
           <a:p>
             <a:pPr lvl="2"/>
             <a:r>
-              <a:rPr lang="en-US" smtClean="0"/>
+              <a:rPr lang="en-US"/>
               <a:t>Third level</a:t>
             </a:r>
           </a:p>
           <a:p>
             <a:pPr lvl="3"/>
             <a:r>
-              <a:rPr lang="en-US" smtClean="0"/>
+              <a:rPr lang="en-US"/>
               <a:t>Fourth level</a:t>
             </a:r>
           </a:p>
           <a:p>
             <a:pPr lvl="4"/>
             <a:r>
-              <a:rPr lang="en-US" smtClean="0"/>
+              <a:rPr lang="en-US"/>
               <a:t>Fifth level</a:t>
             </a:r>
             <a:endParaRPr lang="en-US" dirty="0"/>
@@ -5751,7 +5751,7 @@
           <a:lstStyle/>
           <a:p>
             <a:r>
-              <a:rPr lang="en-US" smtClean="0"/>
+              <a:rPr lang="en-US"/>
               <a:t>Click to edit Master title style</a:t>
             </a:r>
             <a:endParaRPr lang="en-US" dirty="0"/>
@@ -5819,7 +5819,7 @@
           <a:p>
             <a:pPr lvl="0"/>
             <a:r>
-              <a:rPr lang="en-US" smtClean="0"/>
+              <a:rPr lang="en-US"/>
               <a:t>Click to edit Master text styles</a:t>
             </a:r>
           </a:p>
@@ -5849,35 +5849,35 @@
           <a:p>
             <a:pPr lvl="0"/>
             <a:r>
-              <a:rPr lang="en-US" smtClean="0"/>
+              <a:rPr lang="en-US"/>
               <a:t>Click to edit Master text styles</a:t>
             </a:r>
           </a:p>
           <a:p>
             <a:pPr lvl="1"/>
             <a:r>
-              <a:rPr lang="en-US" smtClean="0"/>
+              <a:rPr lang="en-US"/>
               <a:t>Second level</a:t>
             </a:r>
           </a:p>
           <a:p>
             <a:pPr lvl="2"/>
             <a:r>
-              <a:rPr lang="en-US" smtClean="0"/>
+              <a:rPr lang="en-US"/>
               <a:t>Third level</a:t>
             </a:r>
           </a:p>
           <a:p>
             <a:pPr lvl="3"/>
             <a:r>
-              <a:rPr lang="en-US" smtClean="0"/>
+              <a:rPr lang="en-US"/>
               <a:t>Fourth level</a:t>
             </a:r>
           </a:p>
           <a:p>
             <a:pPr lvl="4"/>
             <a:r>
-              <a:rPr lang="en-US" smtClean="0"/>
+              <a:rPr lang="en-US"/>
               <a:t>Fifth level</a:t>
             </a:r>
             <a:endParaRPr lang="en-US" dirty="0"/>
@@ -5945,7 +5945,7 @@
           <a:p>
             <a:pPr lvl="0"/>
             <a:r>
-              <a:rPr lang="en-US" smtClean="0"/>
+              <a:rPr lang="en-US"/>
               <a:t>Click to edit Master text styles</a:t>
             </a:r>
           </a:p>
@@ -5975,35 +5975,35 @@
           <a:p>
             <a:pPr lvl="0"/>
             <a:r>
-              <a:rPr lang="en-US" smtClean="0"/>
+              <a:rPr lang="en-US"/>
               <a:t>Click to edit Master text styles</a:t>
             </a:r>
           </a:p>
           <a:p>
             <a:pPr lvl="1"/>
             <a:r>
-              <a:rPr lang="en-US" smtClean="0"/>
+              <a:rPr lang="en-US"/>
               <a:t>Second level</a:t>
             </a:r>
           </a:p>
           <a:p>
             <a:pPr lvl="2"/>
             <a:r>
-              <a:rPr lang="en-US" smtClean="0"/>
+              <a:rPr lang="en-US"/>
               <a:t>Third level</a:t>
             </a:r>
           </a:p>
           <a:p>
             <a:pPr lvl="3"/>
             <a:r>
-              <a:rPr lang="en-US" smtClean="0"/>
+              <a:rPr lang="en-US"/>
               <a:t>Fourth level</a:t>
             </a:r>
           </a:p>
           <a:p>
             <a:pPr lvl="4"/>
             <a:r>
-              <a:rPr lang="en-US" smtClean="0"/>
+              <a:rPr lang="en-US"/>
               <a:t>Fifth level</a:t>
             </a:r>
             <a:endParaRPr lang="en-US" dirty="0"/>
@@ -6230,7 +6230,7 @@
           <a:lstStyle/>
           <a:p>
             <a:r>
-              <a:rPr lang="en-US" smtClean="0"/>
+              <a:rPr lang="en-US"/>
               <a:t>Click to edit Master title style</a:t>
             </a:r>
             <a:endParaRPr lang="en-US" dirty="0"/>
@@ -6650,7 +6650,7 @@
           </a:lstStyle>
           <a:p>
             <a:r>
-              <a:rPr lang="en-US" smtClean="0"/>
+              <a:rPr lang="en-US"/>
               <a:t>Click to edit Master title style</a:t>
             </a:r>
             <a:endParaRPr lang="en-US" dirty="0"/>
@@ -6681,35 +6681,35 @@
           <a:p>
             <a:pPr lvl="0"/>
             <a:r>
-              <a:rPr lang="en-US" smtClean="0"/>
+              <a:rPr lang="en-US"/>
               <a:t>Click to edit Master text styles</a:t>
             </a:r>
           </a:p>
           <a:p>
             <a:pPr lvl="1"/>
             <a:r>
-              <a:rPr lang="en-US" smtClean="0"/>
+              <a:rPr lang="en-US"/>
               <a:t>Second level</a:t>
             </a:r>
           </a:p>
           <a:p>
             <a:pPr lvl="2"/>
             <a:r>
-              <a:rPr lang="en-US" smtClean="0"/>
+              <a:rPr lang="en-US"/>
               <a:t>Third level</a:t>
             </a:r>
           </a:p>
           <a:p>
             <a:pPr lvl="3"/>
             <a:r>
-              <a:rPr lang="en-US" smtClean="0"/>
+              <a:rPr lang="en-US"/>
               <a:t>Fourth level</a:t>
             </a:r>
           </a:p>
           <a:p>
             <a:pPr lvl="4"/>
             <a:r>
-              <a:rPr lang="en-US" smtClean="0"/>
+              <a:rPr lang="en-US"/>
               <a:t>Fifth level</a:t>
             </a:r>
             <a:endParaRPr lang="en-US" dirty="0"/>
@@ -6775,7 +6775,7 @@
           <a:p>
             <a:pPr lvl="0"/>
             <a:r>
-              <a:rPr lang="en-US" smtClean="0"/>
+              <a:rPr lang="en-US"/>
               <a:t>Click to edit Master text styles</a:t>
             </a:r>
           </a:p>
@@ -7002,7 +7002,7 @@
           </a:lstStyle>
           <a:p>
             <a:r>
-              <a:rPr lang="en-US" smtClean="0"/>
+              <a:rPr lang="en-US"/>
               <a:t>Click to edit Master title style</a:t>
             </a:r>
             <a:endParaRPr lang="en-US" dirty="0"/>
@@ -7069,7 +7069,7 @@
           </a:lstStyle>
           <a:p>
             <a:r>
-              <a:rPr lang="en-US" smtClean="0"/>
+              <a:rPr lang="en-US"/>
               <a:t>Click icon to add picture</a:t>
             </a:r>
             <a:endParaRPr lang="en-US" dirty="0"/>
@@ -7137,7 +7137,7 @@
           <a:p>
             <a:pPr lvl="0"/>
             <a:r>
-              <a:rPr lang="en-US" smtClean="0"/>
+              <a:rPr lang="en-US"/>
               <a:t>Click to edit Master text styles</a:t>
             </a:r>
           </a:p>
@@ -9190,7 +9190,7 @@
           <a:lstStyle/>
           <a:p>
             <a:r>
-              <a:rPr lang="en-US" smtClean="0"/>
+              <a:rPr lang="en-US"/>
               <a:t>Click to edit Master title style</a:t>
             </a:r>
             <a:endParaRPr lang="en-US" dirty="0"/>
@@ -9224,35 +9224,35 @@
           <a:p>
             <a:pPr lvl="0"/>
             <a:r>
-              <a:rPr lang="en-US" smtClean="0"/>
+              <a:rPr lang="en-US"/>
               <a:t>Click to edit Master text styles</a:t>
             </a:r>
           </a:p>
           <a:p>
             <a:pPr lvl="1"/>
             <a:r>
-              <a:rPr lang="en-US" smtClean="0"/>
+              <a:rPr lang="en-US"/>
               <a:t>Second level</a:t>
             </a:r>
           </a:p>
           <a:p>
             <a:pPr lvl="2"/>
             <a:r>
-              <a:rPr lang="en-US" smtClean="0"/>
+              <a:rPr lang="en-US"/>
               <a:t>Third level</a:t>
             </a:r>
           </a:p>
           <a:p>
             <a:pPr lvl="3"/>
             <a:r>
-              <a:rPr lang="en-US" smtClean="0"/>
+              <a:rPr lang="en-US"/>
               <a:t>Fourth level</a:t>
             </a:r>
           </a:p>
           <a:p>
             <a:pPr lvl="4"/>
             <a:r>
-              <a:rPr lang="en-US" smtClean="0"/>
+              <a:rPr lang="en-US"/>
               <a:t>Fifth level</a:t>
             </a:r>
             <a:endParaRPr lang="en-US" dirty="0"/>
@@ -9873,7 +9873,7 @@
               <a:buNone/>
             </a:pPr>
             <a:r>
-              <a:rPr lang="en-US" sz="4400" b="1" dirty="0" smtClean="0">
+              <a:rPr lang="en-US" sz="4400" b="1" dirty="0">
                 <a:solidFill>
                   <a:schemeClr val="tx1"/>
                 </a:solidFill>
@@ -9883,14 +9883,6 @@
               </a:rPr>
               <a:t>Vectors vs Transform</a:t>
             </a:r>
-            <a:endParaRPr lang="en-US" sz="4400" b="1" dirty="0">
-              <a:solidFill>
-                <a:schemeClr val="tx1"/>
-              </a:solidFill>
-              <a:ea typeface="Arial"/>
-              <a:cs typeface="Arial"/>
-              <a:sym typeface="Arial"/>
-            </a:endParaRPr>
           </a:p>
         </p:txBody>
       </p:sp>
@@ -9938,18 +9930,7 @@
                 <a:cs typeface="Arial"/>
                 <a:sym typeface="Arial"/>
               </a:rPr>
-              <a:t>AGGP </a:t>
-            </a:r>
-            <a:r>
-              <a:rPr lang="en-US" b="1" dirty="0" smtClean="0">
-                <a:solidFill>
-                  <a:schemeClr val="tx1"/>
-                </a:solidFill>
-                <a:ea typeface="Arial"/>
-                <a:cs typeface="Arial"/>
-                <a:sym typeface="Arial"/>
-              </a:rPr>
-              <a:t>101c</a:t>
+              <a:t>AGGP 101c</a:t>
             </a:r>
           </a:p>
           <a:p>
@@ -9960,7 +9941,7 @@
               <a:buSzPct val="25000"/>
             </a:pPr>
             <a:r>
-              <a:rPr lang="en-US" b="1" dirty="0" smtClean="0">
+              <a:rPr lang="en-US" b="1" dirty="0">
                 <a:solidFill>
                   <a:schemeClr val="tx1"/>
                 </a:solidFill>
@@ -9968,29 +9949,7 @@
                 <a:cs typeface="Arial"/>
                 <a:sym typeface="Arial"/>
               </a:rPr>
-              <a:t>Introduction </a:t>
-            </a:r>
-            <a:r>
-              <a:rPr lang="en-US" b="1" dirty="0">
-                <a:solidFill>
-                  <a:schemeClr val="tx1"/>
-                </a:solidFill>
-                <a:ea typeface="Arial"/>
-                <a:cs typeface="Arial"/>
-                <a:sym typeface="Arial"/>
-              </a:rPr>
-              <a:t>to Game Design </a:t>
-            </a:r>
-            <a:r>
-              <a:rPr lang="en-US" b="1" dirty="0" smtClean="0">
-                <a:solidFill>
-                  <a:schemeClr val="tx1"/>
-                </a:solidFill>
-                <a:ea typeface="Arial"/>
-                <a:cs typeface="Arial"/>
-                <a:sym typeface="Arial"/>
-              </a:rPr>
-              <a:t>and </a:t>
+              <a:t>Introduction to Game Design and </a:t>
             </a:r>
           </a:p>
           <a:p>
@@ -10001,7 +9960,7 @@
               <a:buSzPct val="25000"/>
             </a:pPr>
             <a:r>
-              <a:rPr lang="en-US" b="1" dirty="0" smtClean="0">
+              <a:rPr lang="en-US" b="1" dirty="0">
                 <a:solidFill>
                   <a:schemeClr val="tx1"/>
                 </a:solidFill>
@@ -10009,18 +9968,7 @@
                 <a:cs typeface="Arial"/>
                 <a:sym typeface="Arial"/>
               </a:rPr>
-              <a:t>Creation </a:t>
-            </a:r>
-            <a:r>
-              <a:rPr lang="en-US" b="1" dirty="0">
-                <a:solidFill>
-                  <a:schemeClr val="tx1"/>
-                </a:solidFill>
-                <a:ea typeface="Arial"/>
-                <a:cs typeface="Arial"/>
-                <a:sym typeface="Arial"/>
-              </a:rPr>
-              <a:t>with Programming</a:t>
+              <a:t>Creation with Programming</a:t>
             </a:r>
             <a:endParaRPr lang="en-US" sz="3200" b="0" i="0" u="none" strike="noStrike" cap="none" dirty="0">
               <a:solidFill>
@@ -10038,13 +9986,6 @@
   <p:clrMapOvr>
     <a:masterClrMapping/>
   </p:clrMapOvr>
-  <p:timing>
-    <p:tnLst>
-      <p:par>
-        <p:cTn id="1" dur="indefinite" restart="never" nodeType="tmRoot"/>
-      </p:par>
-    </p:tnLst>
-  </p:timing>
 </p:sld>
 </file>
 
@@ -10081,10 +10022,9 @@
           <a:lstStyle/>
           <a:p>
             <a:r>
-              <a:rPr lang="en-US" dirty="0" smtClean="0"/>
-              <a:t>Vector3 vs transform</a:t>
-            </a:r>
-            <a:endParaRPr lang="en-US" dirty="0"/>
+              <a:rPr lang="en-US" dirty="0"/>
+              <a:t>Axis Colors</a:t>
+            </a:r>
           </a:p>
         </p:txBody>
       </p:sp>
@@ -10105,8 +10045,150 @@
           </a:bodyPr>
           <a:lstStyle/>
           <a:p>
-            <a:r>
-              <a:rPr lang="en-US" sz="2000" b="1" dirty="0" smtClean="0">
+            <a:pPr marL="806450" indent="-457200"/>
+            <a:r>
+              <a:rPr lang="en-US" sz="4000" b="1" dirty="0">
+                <a:latin typeface="+mn-lt"/>
+                <a:cs typeface="Courier New" panose="02070309020205020404" pitchFamily="49" charset="0"/>
+              </a:rPr>
+              <a:t>Red is the X Axis</a:t>
+            </a:r>
+          </a:p>
+          <a:p>
+            <a:pPr marL="806450" indent="-457200"/>
+            <a:r>
+              <a:rPr lang="en-US" sz="4000" b="1" dirty="0">
+                <a:latin typeface="+mn-lt"/>
+                <a:cs typeface="Courier New" panose="02070309020205020404" pitchFamily="49" charset="0"/>
+              </a:rPr>
+              <a:t>Green is the Y Axis</a:t>
+            </a:r>
+          </a:p>
+          <a:p>
+            <a:pPr marL="806450" indent="-457200"/>
+            <a:r>
+              <a:rPr lang="en-US" sz="4000" b="1" dirty="0">
+                <a:latin typeface="+mn-lt"/>
+                <a:cs typeface="Courier New" panose="02070309020205020404" pitchFamily="49" charset="0"/>
+              </a:rPr>
+              <a:t>Blue is the Z Axis</a:t>
+            </a:r>
+          </a:p>
+          <a:p>
+            <a:pPr marL="806450" indent="-457200"/>
+            <a:endParaRPr lang="en-US" sz="2400" b="1" i="1" dirty="0">
+              <a:latin typeface="+mn-lt"/>
+              <a:cs typeface="Courier New" panose="02070309020205020404" pitchFamily="49" charset="0"/>
+            </a:endParaRPr>
+          </a:p>
+          <a:p>
+            <a:pPr marL="806450" indent="-457200"/>
+            <a:r>
+              <a:rPr lang="en-US" sz="2400" b="1" i="1" dirty="0">
+                <a:cs typeface="Courier New" panose="02070309020205020404" pitchFamily="49" charset="0"/>
+              </a:rPr>
+              <a:t>These colors are standard across most applications. </a:t>
+            </a:r>
+          </a:p>
+          <a:p>
+            <a:pPr marL="806450" indent="-457200"/>
+            <a:endParaRPr lang="en-US" sz="4000" b="1" dirty="0">
+              <a:latin typeface="+mn-lt"/>
+              <a:cs typeface="Courier New" panose="02070309020205020404" pitchFamily="49" charset="0"/>
+            </a:endParaRPr>
+          </a:p>
+        </p:txBody>
+      </p:sp>
+      <p:sp>
+        <p:nvSpPr>
+          <p:cNvPr id="4" name="Text Placeholder 3"/>
+          <p:cNvSpPr>
+            <a:spLocks noGrp="1"/>
+          </p:cNvSpPr>
+          <p:nvPr>
+            <p:ph type="body" idx="2"/>
+          </p:nvPr>
+        </p:nvSpPr>
+        <p:spPr/>
+        <p:txBody>
+          <a:bodyPr/>
+          <a:lstStyle/>
+          <a:p>
+            <a:endParaRPr lang="en-US"/>
+          </a:p>
+        </p:txBody>
+      </p:sp>
+    </p:spTree>
+    <p:extLst>
+      <p:ext uri="{BB962C8B-B14F-4D97-AF65-F5344CB8AC3E}">
+        <p14:creationId xmlns:p14="http://schemas.microsoft.com/office/powerpoint/2010/main" val="1820157601"/>
+      </p:ext>
+    </p:extLst>
+  </p:cSld>
+  <p:clrMapOvr>
+    <a:masterClrMapping/>
+  </p:clrMapOvr>
+</p:sld>
+</file>
+
+<file path=ppt/slides/slide3.xml><?xml version="1.0" encoding="utf-8"?>
+<p:sld xmlns:a="http://schemas.openxmlformats.org/drawingml/2006/main" xmlns:r="http://schemas.openxmlformats.org/officeDocument/2006/relationships" xmlns:p="http://schemas.openxmlformats.org/presentationml/2006/main">
+  <p:cSld>
+    <p:spTree>
+      <p:nvGrpSpPr>
+        <p:cNvPr id="1" name=""/>
+        <p:cNvGrpSpPr/>
+        <p:nvPr/>
+      </p:nvGrpSpPr>
+      <p:grpSpPr>
+        <a:xfrm>
+          <a:off x="0" y="0"/>
+          <a:ext cx="0" cy="0"/>
+          <a:chOff x="0" y="0"/>
+          <a:chExt cx="0" cy="0"/>
+        </a:xfrm>
+      </p:grpSpPr>
+      <p:sp>
+        <p:nvSpPr>
+          <p:cNvPr id="2" name="Title 1"/>
+          <p:cNvSpPr>
+            <a:spLocks noGrp="1"/>
+          </p:cNvSpPr>
+          <p:nvPr>
+            <p:ph type="title"/>
+          </p:nvPr>
+        </p:nvSpPr>
+        <p:spPr/>
+        <p:txBody>
+          <a:bodyPr/>
+          <a:lstStyle/>
+          <a:p>
+            <a:r>
+              <a:rPr lang="en-US" dirty="0"/>
+              <a:t>Vector3 vs transform</a:t>
+            </a:r>
+          </a:p>
+        </p:txBody>
+      </p:sp>
+      <p:sp>
+        <p:nvSpPr>
+          <p:cNvPr id="3" name="Text Placeholder 2"/>
+          <p:cNvSpPr>
+            <a:spLocks noGrp="1"/>
+          </p:cNvSpPr>
+          <p:nvPr>
+            <p:ph type="body" idx="1"/>
+          </p:nvPr>
+        </p:nvSpPr>
+        <p:spPr/>
+        <p:txBody>
+          <a:bodyPr>
+            <a:noAutofit/>
+          </a:bodyPr>
+          <a:lstStyle/>
+          <a:p>
+            <a:r>
+              <a:rPr lang="en-US" sz="2000" b="1" dirty="0">
                 <a:latin typeface="+mn-lt"/>
                 <a:cs typeface="Courier New" panose="02070309020205020404" pitchFamily="49" charset="0"/>
               </a:rPr>
@@ -10115,7 +10197,7 @@
           </a:p>
           <a:p>
             <a:r>
-              <a:rPr lang="en-US" sz="2000" b="1" dirty="0" smtClean="0">
+              <a:rPr lang="en-US" sz="2000" b="1" dirty="0">
                 <a:latin typeface="+mn-lt"/>
                 <a:cs typeface="Courier New" panose="02070309020205020404" pitchFamily="49" charset="0"/>
               </a:rPr>
@@ -10125,7 +10207,7 @@
           <a:p>
             <a:pPr lvl="1"/>
             <a:r>
-              <a:rPr lang="en-US" sz="1600" b="1" dirty="0" smtClean="0">
+              <a:rPr lang="en-US" sz="1600" b="1" dirty="0">
                 <a:latin typeface="+mn-lt"/>
                 <a:cs typeface="Courier New" panose="02070309020205020404" pitchFamily="49" charset="0"/>
               </a:rPr>
@@ -10134,7 +10216,7 @@
           </a:p>
           <a:p>
             <a:r>
-              <a:rPr lang="en-US" sz="2000" b="1" dirty="0" smtClean="0">
+              <a:rPr lang="en-US" sz="2000" b="1" dirty="0">
                 <a:latin typeface="+mn-lt"/>
                 <a:cs typeface="Courier New" panose="02070309020205020404" pitchFamily="49" charset="0"/>
               </a:rPr>
@@ -10148,19 +10230,8 @@
                 <a:latin typeface="+mn-lt"/>
                 <a:cs typeface="Courier New" panose="02070309020205020404" pitchFamily="49" charset="0"/>
               </a:rPr>
-              <a:t> </a:t>
-            </a:r>
-            <a:r>
-              <a:rPr lang="en-US" sz="1600" b="1" dirty="0" smtClean="0">
-                <a:latin typeface="+mn-lt"/>
-                <a:cs typeface="Courier New" panose="02070309020205020404" pitchFamily="49" charset="0"/>
-              </a:rPr>
-              <a:t>Use an instance of a Transform to get these properties.</a:t>
-            </a:r>
-            <a:endParaRPr lang="en-US" sz="1600" b="1" dirty="0">
-              <a:latin typeface="+mn-lt"/>
-              <a:cs typeface="Courier New" panose="02070309020205020404" pitchFamily="49" charset="0"/>
-            </a:endParaRPr>
+              <a:t> Use an instance of a Transform to get these properties.</a:t>
+            </a:r>
           </a:p>
         </p:txBody>
       </p:sp>
@@ -10193,17 +10264,561 @@
   <p:clrMapOvr>
     <a:masterClrMapping/>
   </p:clrMapOvr>
-  <p:timing>
-    <p:tnLst>
-      <p:par>
-        <p:cTn id="1" dur="indefinite" restart="never" nodeType="tmRoot"/>
-      </p:par>
-    </p:tnLst>
-  </p:timing>
 </p:sld>
 </file>
 
-<file path=ppt/slides/slide3.xml><?xml version="1.0" encoding="utf-8"?>
+<file path=ppt/slides/slide4.xml><?xml version="1.0" encoding="utf-8"?>
+<p:sld xmlns:a="http://schemas.openxmlformats.org/drawingml/2006/main" xmlns:r="http://schemas.openxmlformats.org/officeDocument/2006/relationships" xmlns:p="http://schemas.openxmlformats.org/presentationml/2006/main">
+  <p:cSld>
+    <p:spTree>
+      <p:nvGrpSpPr>
+        <p:cNvPr id="1" name=""/>
+        <p:cNvGrpSpPr/>
+        <p:nvPr/>
+      </p:nvGrpSpPr>
+      <p:grpSpPr>
+        <a:xfrm>
+          <a:off x="0" y="0"/>
+          <a:ext cx="0" cy="0"/>
+          <a:chOff x="0" y="0"/>
+          <a:chExt cx="0" cy="0"/>
+        </a:xfrm>
+      </p:grpSpPr>
+      <p:sp>
+        <p:nvSpPr>
+          <p:cNvPr id="2" name="Title 1"/>
+          <p:cNvSpPr>
+            <a:spLocks noGrp="1"/>
+          </p:cNvSpPr>
+          <p:nvPr>
+            <p:ph type="title"/>
+          </p:nvPr>
+        </p:nvSpPr>
+        <p:spPr/>
+        <p:txBody>
+          <a:bodyPr/>
+          <a:lstStyle/>
+          <a:p>
+            <a:r>
+              <a:rPr lang="en-US" dirty="0"/>
+              <a:t>Unity’s Axis Directions</a:t>
+            </a:r>
+          </a:p>
+        </p:txBody>
+      </p:sp>
+      <p:sp>
+        <p:nvSpPr>
+          <p:cNvPr id="3" name="Text Placeholder 2"/>
+          <p:cNvSpPr>
+            <a:spLocks noGrp="1"/>
+          </p:cNvSpPr>
+          <p:nvPr>
+            <p:ph type="body" idx="1"/>
+          </p:nvPr>
+        </p:nvSpPr>
+        <p:spPr/>
+        <p:txBody>
+          <a:bodyPr>
+            <a:noAutofit/>
+          </a:bodyPr>
+          <a:lstStyle/>
+          <a:p>
+            <a:r>
+              <a:rPr lang="en-US" sz="4000" b="1" dirty="0">
+                <a:cs typeface="Courier New" panose="02070309020205020404" pitchFamily="49" charset="0"/>
+              </a:rPr>
+              <a:t>Y is Up</a:t>
+            </a:r>
+          </a:p>
+          <a:p>
+            <a:r>
+              <a:rPr lang="en-US" sz="4000" b="1" dirty="0">
+                <a:cs typeface="Courier New" panose="02070309020205020404" pitchFamily="49" charset="0"/>
+              </a:rPr>
+              <a:t>Z is forward</a:t>
+            </a:r>
+          </a:p>
+          <a:p>
+            <a:r>
+              <a:rPr lang="en-US" sz="4000" b="1" dirty="0">
+                <a:cs typeface="Courier New" panose="02070309020205020404" pitchFamily="49" charset="0"/>
+              </a:rPr>
+              <a:t>X is Right</a:t>
+            </a:r>
+          </a:p>
+        </p:txBody>
+      </p:sp>
+      <p:sp>
+        <p:nvSpPr>
+          <p:cNvPr id="4" name="Text Placeholder 3"/>
+          <p:cNvSpPr>
+            <a:spLocks noGrp="1"/>
+          </p:cNvSpPr>
+          <p:nvPr>
+            <p:ph type="body" idx="2"/>
+          </p:nvPr>
+        </p:nvSpPr>
+        <p:spPr/>
+        <p:txBody>
+          <a:bodyPr/>
+          <a:lstStyle/>
+          <a:p>
+            <a:endParaRPr lang="en-US"/>
+          </a:p>
+        </p:txBody>
+      </p:sp>
+    </p:spTree>
+    <p:extLst>
+      <p:ext uri="{BB962C8B-B14F-4D97-AF65-F5344CB8AC3E}">
+        <p14:creationId xmlns:p14="http://schemas.microsoft.com/office/powerpoint/2010/main" val="624066664"/>
+      </p:ext>
+    </p:extLst>
+  </p:cSld>
+  <p:clrMapOvr>
+    <a:masterClrMapping/>
+  </p:clrMapOvr>
+</p:sld>
+</file>
+
+<file path=ppt/slides/slide5.xml><?xml version="1.0" encoding="utf-8"?>
+<p:sld xmlns:a="http://schemas.openxmlformats.org/drawingml/2006/main" xmlns:r="http://schemas.openxmlformats.org/officeDocument/2006/relationships" xmlns:p="http://schemas.openxmlformats.org/presentationml/2006/main">
+  <p:cSld>
+    <p:spTree>
+      <p:nvGrpSpPr>
+        <p:cNvPr id="1" name=""/>
+        <p:cNvGrpSpPr/>
+        <p:nvPr/>
+      </p:nvGrpSpPr>
+      <p:grpSpPr>
+        <a:xfrm>
+          <a:off x="0" y="0"/>
+          <a:ext cx="0" cy="0"/>
+          <a:chOff x="0" y="0"/>
+          <a:chExt cx="0" cy="0"/>
+        </a:xfrm>
+      </p:grpSpPr>
+      <p:sp>
+        <p:nvSpPr>
+          <p:cNvPr id="2" name="Title 1"/>
+          <p:cNvSpPr>
+            <a:spLocks noGrp="1"/>
+          </p:cNvSpPr>
+          <p:nvPr>
+            <p:ph type="title"/>
+          </p:nvPr>
+        </p:nvSpPr>
+        <p:spPr/>
+        <p:txBody>
+          <a:bodyPr/>
+          <a:lstStyle/>
+          <a:p>
+            <a:r>
+              <a:rPr lang="en-US" dirty="0"/>
+              <a:t>Vector3 Properties</a:t>
+            </a:r>
+          </a:p>
+        </p:txBody>
+      </p:sp>
+      <p:sp>
+        <p:nvSpPr>
+          <p:cNvPr id="3" name="Text Placeholder 2"/>
+          <p:cNvSpPr>
+            <a:spLocks noGrp="1"/>
+          </p:cNvSpPr>
+          <p:nvPr>
+            <p:ph type="body" idx="1"/>
+          </p:nvPr>
+        </p:nvSpPr>
+        <p:spPr/>
+        <p:txBody>
+          <a:bodyPr>
+            <a:noAutofit/>
+          </a:bodyPr>
+          <a:lstStyle/>
+          <a:p>
+            <a:pPr marL="203200" indent="0">
+              <a:buNone/>
+            </a:pPr>
+            <a:r>
+              <a:rPr lang="en-US" sz="2800" b="1" dirty="0">
+                <a:latin typeface="+mn-lt"/>
+                <a:cs typeface="Courier New" panose="02070309020205020404" pitchFamily="49" charset="0"/>
+              </a:rPr>
+              <a:t>			</a:t>
+            </a:r>
+            <a:r>
+              <a:rPr lang="en-US" sz="2400" dirty="0">
+                <a:latin typeface="+mn-lt"/>
+                <a:cs typeface="Courier New" panose="02070309020205020404" pitchFamily="49" charset="0"/>
+              </a:rPr>
+              <a:t>Property			Axis		Vector</a:t>
+            </a:r>
+          </a:p>
+          <a:p>
+            <a:pPr marL="203200" indent="0">
+              <a:buNone/>
+            </a:pPr>
+            <a:r>
+              <a:rPr lang="en-US" sz="2800" b="1" dirty="0">
+                <a:latin typeface="+mn-lt"/>
+                <a:cs typeface="Courier New" panose="02070309020205020404" pitchFamily="49" charset="0"/>
+              </a:rPr>
+              <a:t>			.Left		</a:t>
+            </a:r>
+            <a:r>
+              <a:rPr lang="en-US" sz="2800" b="1" dirty="0">
+                <a:cs typeface="Courier New" panose="02070309020205020404" pitchFamily="49" charset="0"/>
+              </a:rPr>
+              <a:t>		-X			(-1,0,0)</a:t>
+            </a:r>
+            <a:endParaRPr lang="en-US" sz="2800" b="1" dirty="0">
+              <a:latin typeface="+mn-lt"/>
+              <a:cs typeface="Courier New" panose="02070309020205020404" pitchFamily="49" charset="0"/>
+            </a:endParaRPr>
+          </a:p>
+          <a:p>
+            <a:pPr marL="203200" indent="0">
+              <a:buNone/>
+            </a:pPr>
+            <a:r>
+              <a:rPr lang="en-US" sz="2800" b="1" dirty="0">
+                <a:latin typeface="+mn-lt"/>
+                <a:cs typeface="Courier New" panose="02070309020205020404" pitchFamily="49" charset="0"/>
+              </a:rPr>
+              <a:t>			.Right</a:t>
+            </a:r>
+            <a:r>
+              <a:rPr lang="en-US" sz="2800" b="1" dirty="0">
+                <a:cs typeface="Courier New" panose="02070309020205020404" pitchFamily="49" charset="0"/>
+              </a:rPr>
+              <a:t>			+X			(1,0,0)</a:t>
+            </a:r>
+            <a:endParaRPr lang="en-US" sz="2800" b="1" dirty="0">
+              <a:latin typeface="+mn-lt"/>
+              <a:cs typeface="Courier New" panose="02070309020205020404" pitchFamily="49" charset="0"/>
+            </a:endParaRPr>
+          </a:p>
+          <a:p>
+            <a:pPr marL="203200" indent="0">
+              <a:buNone/>
+            </a:pPr>
+            <a:r>
+              <a:rPr lang="en-US" sz="2800" b="1" dirty="0">
+                <a:latin typeface="+mn-lt"/>
+                <a:cs typeface="Courier New" panose="02070309020205020404" pitchFamily="49" charset="0"/>
+              </a:rPr>
+              <a:t>			.Up		</a:t>
+            </a:r>
+            <a:r>
+              <a:rPr lang="en-US" sz="2800" b="1" dirty="0">
+                <a:cs typeface="Courier New" panose="02070309020205020404" pitchFamily="49" charset="0"/>
+              </a:rPr>
+              <a:t>		+Y			(0,1,0)</a:t>
+            </a:r>
+            <a:endParaRPr lang="en-US" sz="2800" b="1" dirty="0">
+              <a:latin typeface="+mn-lt"/>
+              <a:cs typeface="Courier New" panose="02070309020205020404" pitchFamily="49" charset="0"/>
+            </a:endParaRPr>
+          </a:p>
+          <a:p>
+            <a:pPr marL="203200" indent="0">
+              <a:buNone/>
+            </a:pPr>
+            <a:r>
+              <a:rPr lang="en-US" sz="2800" b="1" dirty="0">
+                <a:latin typeface="+mn-lt"/>
+                <a:cs typeface="Courier New" panose="02070309020205020404" pitchFamily="49" charset="0"/>
+              </a:rPr>
+              <a:t>			.Down	</a:t>
+            </a:r>
+            <a:r>
+              <a:rPr lang="en-US" sz="2800" b="1" dirty="0">
+                <a:cs typeface="Courier New" panose="02070309020205020404" pitchFamily="49" charset="0"/>
+              </a:rPr>
+              <a:t>		-Y			(0,-1,0)</a:t>
+            </a:r>
+            <a:endParaRPr lang="en-US" sz="2800" b="1" dirty="0">
+              <a:latin typeface="+mn-lt"/>
+              <a:cs typeface="Courier New" panose="02070309020205020404" pitchFamily="49" charset="0"/>
+            </a:endParaRPr>
+          </a:p>
+          <a:p>
+            <a:pPr marL="203200" indent="0">
+              <a:buNone/>
+            </a:pPr>
+            <a:r>
+              <a:rPr lang="en-US" sz="2800" b="1" dirty="0">
+                <a:latin typeface="+mn-lt"/>
+                <a:cs typeface="Courier New" panose="02070309020205020404" pitchFamily="49" charset="0"/>
+              </a:rPr>
+              <a:t>			.Forward		+Z			(0,0,1)</a:t>
+            </a:r>
+          </a:p>
+          <a:p>
+            <a:pPr marL="203200" indent="0">
+              <a:buNone/>
+            </a:pPr>
+            <a:r>
+              <a:rPr lang="en-US" sz="2800" b="1" dirty="0">
+                <a:latin typeface="+mn-lt"/>
+                <a:cs typeface="Courier New" panose="02070309020205020404" pitchFamily="49" charset="0"/>
+              </a:rPr>
+              <a:t>			.Back			-Z			(0,0,-1)</a:t>
+            </a:r>
+          </a:p>
+          <a:p>
+            <a:pPr marL="203200" indent="0">
+              <a:buNone/>
+            </a:pPr>
+            <a:endParaRPr lang="en-US" sz="2000" b="1" dirty="0">
+              <a:latin typeface="+mn-lt"/>
+              <a:cs typeface="Courier New" panose="02070309020205020404" pitchFamily="49" charset="0"/>
+            </a:endParaRPr>
+          </a:p>
+        </p:txBody>
+      </p:sp>
+      <p:sp>
+        <p:nvSpPr>
+          <p:cNvPr id="4" name="Text Placeholder 3"/>
+          <p:cNvSpPr>
+            <a:spLocks noGrp="1"/>
+          </p:cNvSpPr>
+          <p:nvPr>
+            <p:ph type="body" idx="2"/>
+          </p:nvPr>
+        </p:nvSpPr>
+        <p:spPr/>
+        <p:txBody>
+          <a:bodyPr/>
+          <a:lstStyle/>
+          <a:p>
+            <a:endParaRPr lang="en-US"/>
+          </a:p>
+        </p:txBody>
+      </p:sp>
+    </p:spTree>
+    <p:extLst>
+      <p:ext uri="{BB962C8B-B14F-4D97-AF65-F5344CB8AC3E}">
+        <p14:creationId xmlns:p14="http://schemas.microsoft.com/office/powerpoint/2010/main" val="937486831"/>
+      </p:ext>
+    </p:extLst>
+  </p:cSld>
+  <p:clrMapOvr>
+    <a:masterClrMapping/>
+  </p:clrMapOvr>
+</p:sld>
+</file>
+
+<file path=ppt/slides/slide6.xml><?xml version="1.0" encoding="utf-8"?>
+<p:sld xmlns:a="http://schemas.openxmlformats.org/drawingml/2006/main" xmlns:r="http://schemas.openxmlformats.org/officeDocument/2006/relationships" xmlns:p="http://schemas.openxmlformats.org/presentationml/2006/main">
+  <p:cSld>
+    <p:spTree>
+      <p:nvGrpSpPr>
+        <p:cNvPr id="1" name=""/>
+        <p:cNvGrpSpPr/>
+        <p:nvPr/>
+      </p:nvGrpSpPr>
+      <p:grpSpPr>
+        <a:xfrm>
+          <a:off x="0" y="0"/>
+          <a:ext cx="0" cy="0"/>
+          <a:chOff x="0" y="0"/>
+          <a:chExt cx="0" cy="0"/>
+        </a:xfrm>
+      </p:grpSpPr>
+      <p:sp>
+        <p:nvSpPr>
+          <p:cNvPr id="2" name="Title 1"/>
+          <p:cNvSpPr>
+            <a:spLocks noGrp="1"/>
+          </p:cNvSpPr>
+          <p:nvPr>
+            <p:ph type="title"/>
+          </p:nvPr>
+        </p:nvSpPr>
+        <p:spPr/>
+        <p:txBody>
+          <a:bodyPr/>
+          <a:lstStyle/>
+          <a:p>
+            <a:r>
+              <a:rPr lang="en-US" dirty="0"/>
+              <a:t>Transform Properties</a:t>
+            </a:r>
+          </a:p>
+        </p:txBody>
+      </p:sp>
+      <p:sp>
+        <p:nvSpPr>
+          <p:cNvPr id="3" name="Text Placeholder 2"/>
+          <p:cNvSpPr>
+            <a:spLocks noGrp="1"/>
+          </p:cNvSpPr>
+          <p:nvPr>
+            <p:ph type="body" idx="1"/>
+          </p:nvPr>
+        </p:nvSpPr>
+        <p:spPr/>
+        <p:txBody>
+          <a:bodyPr>
+            <a:noAutofit/>
+          </a:bodyPr>
+          <a:lstStyle/>
+          <a:p>
+            <a:pPr marL="203200" indent="0">
+              <a:buNone/>
+            </a:pPr>
+            <a:r>
+              <a:rPr lang="en-US" sz="2400" dirty="0">
+                <a:latin typeface="+mj-lt"/>
+                <a:cs typeface="Courier New" panose="02070309020205020404" pitchFamily="49" charset="0"/>
+              </a:rPr>
+              <a:t>		Property		Axis	</a:t>
+            </a:r>
+          </a:p>
+          <a:p>
+            <a:pPr marL="203200" indent="0">
+              <a:buNone/>
+            </a:pPr>
+            <a:r>
+              <a:rPr lang="en-US" sz="2400" b="1" dirty="0">
+                <a:latin typeface="+mj-lt"/>
+                <a:cs typeface="Courier New" panose="02070309020205020404" pitchFamily="49" charset="0"/>
+              </a:rPr>
+              <a:t>		.Right			Local X Axis (red arrow) </a:t>
+            </a:r>
+          </a:p>
+          <a:p>
+            <a:pPr marL="203200" indent="0">
+              <a:buNone/>
+            </a:pPr>
+            <a:r>
+              <a:rPr lang="en-US" sz="2400" b="1" dirty="0">
+                <a:latin typeface="+mj-lt"/>
+                <a:cs typeface="Courier New" panose="02070309020205020404" pitchFamily="49" charset="0"/>
+              </a:rPr>
+              <a:t>								rotated in world space</a:t>
+            </a:r>
+          </a:p>
+          <a:p>
+            <a:pPr marL="203200" indent="0">
+              <a:buNone/>
+            </a:pPr>
+            <a:r>
+              <a:rPr lang="en-US" sz="2400" b="1" dirty="0">
+                <a:latin typeface="+mj-lt"/>
+                <a:cs typeface="Courier New" panose="02070309020205020404" pitchFamily="49" charset="0"/>
+              </a:rPr>
+              <a:t>		.Up				Local Y Axis (green arrow) </a:t>
+            </a:r>
+            <a:r>
+              <a:rPr lang="en-US" sz="2400" b="1" dirty="0">
+                <a:cs typeface="Courier New" panose="02070309020205020404" pitchFamily="49" charset="0"/>
+              </a:rPr>
+              <a:t>) </a:t>
+            </a:r>
+          </a:p>
+          <a:p>
+            <a:pPr marL="203200" indent="0">
+              <a:buNone/>
+            </a:pPr>
+            <a:r>
+              <a:rPr lang="en-US" sz="2400" b="1" dirty="0">
+                <a:cs typeface="Courier New" panose="02070309020205020404" pitchFamily="49" charset="0"/>
+              </a:rPr>
+              <a:t>								</a:t>
+            </a:r>
+            <a:r>
+              <a:rPr lang="en-US" sz="2400" b="1" dirty="0">
+                <a:latin typeface="+mj-lt"/>
+                <a:cs typeface="Courier New" panose="02070309020205020404" pitchFamily="49" charset="0"/>
+              </a:rPr>
+              <a:t>rotated in world space</a:t>
+            </a:r>
+          </a:p>
+          <a:p>
+            <a:pPr marL="203200" indent="0">
+              <a:buNone/>
+            </a:pPr>
+            <a:r>
+              <a:rPr lang="en-US" sz="2400" b="1" dirty="0">
+                <a:latin typeface="+mj-lt"/>
+                <a:cs typeface="Courier New" panose="02070309020205020404" pitchFamily="49" charset="0"/>
+              </a:rPr>
+              <a:t>		.Forward		Local Z Axis (blue arrow) </a:t>
+            </a:r>
+            <a:r>
+              <a:rPr lang="en-US" sz="2400" b="1" dirty="0">
+                <a:cs typeface="Courier New" panose="02070309020205020404" pitchFamily="49" charset="0"/>
+              </a:rPr>
+              <a:t>) </a:t>
+            </a:r>
+          </a:p>
+          <a:p>
+            <a:pPr marL="203200" indent="0">
+              <a:buNone/>
+            </a:pPr>
+            <a:r>
+              <a:rPr lang="en-US" sz="2400" b="1" dirty="0">
+                <a:cs typeface="Courier New" panose="02070309020205020404" pitchFamily="49" charset="0"/>
+              </a:rPr>
+              <a:t>								</a:t>
+            </a:r>
+            <a:r>
+              <a:rPr lang="en-US" sz="2400" b="1" dirty="0">
+                <a:latin typeface="+mj-lt"/>
+                <a:cs typeface="Courier New" panose="02070309020205020404" pitchFamily="49" charset="0"/>
+              </a:rPr>
+              <a:t>rotated in world space</a:t>
+            </a:r>
+          </a:p>
+          <a:p>
+            <a:pPr marL="203200" indent="0">
+              <a:buNone/>
+            </a:pPr>
+            <a:r>
+              <a:rPr lang="en-US" sz="2400" b="1" dirty="0">
+                <a:latin typeface="+mj-lt"/>
+                <a:cs typeface="Courier New" panose="02070309020205020404" pitchFamily="49" charset="0"/>
+              </a:rPr>
+              <a:t>			</a:t>
+            </a:r>
+          </a:p>
+        </p:txBody>
+      </p:sp>
+      <p:sp>
+        <p:nvSpPr>
+          <p:cNvPr id="4" name="Text Placeholder 3"/>
+          <p:cNvSpPr>
+            <a:spLocks noGrp="1"/>
+          </p:cNvSpPr>
+          <p:nvPr>
+            <p:ph type="body" idx="2"/>
+          </p:nvPr>
+        </p:nvSpPr>
+        <p:spPr/>
+        <p:txBody>
+          <a:bodyPr/>
+          <a:lstStyle/>
+          <a:p>
+            <a:endParaRPr lang="en-US"/>
+          </a:p>
+        </p:txBody>
+      </p:sp>
+    </p:spTree>
+    <p:extLst>
+      <p:ext uri="{BB962C8B-B14F-4D97-AF65-F5344CB8AC3E}">
+        <p14:creationId xmlns:p14="http://schemas.microsoft.com/office/powerpoint/2010/main" val="4218429994"/>
+      </p:ext>
+    </p:extLst>
+  </p:cSld>
+  <p:clrMapOvr>
+    <a:masterClrMapping/>
+  </p:clrMapOvr>
+</p:sld>
+</file>
+
+<file path=ppt/slides/slide7.xml><?xml version="1.0" encoding="utf-8"?>
 <p:sld xmlns:a="http://schemas.openxmlformats.org/drawingml/2006/main" xmlns:r="http://schemas.openxmlformats.org/officeDocument/2006/relationships" xmlns:p="http://schemas.openxmlformats.org/presentationml/2006/main">
   <p:cSld>
     <p:spTree>
@@ -10322,957 +10937,6 @@
   <p:clrMapOvr>
     <a:masterClrMapping/>
   </p:clrMapOvr>
-  <p:timing>
-    <p:tnLst>
-      <p:par>
-        <p:cTn id="1" dur="indefinite" restart="never" nodeType="tmRoot"/>
-      </p:par>
-    </p:tnLst>
-  </p:timing>
-</p:sld>
-</file>
-
-<file path=ppt/slides/slide4.xml><?xml version="1.0" encoding="utf-8"?>
-<p:sld xmlns:a="http://schemas.openxmlformats.org/drawingml/2006/main" xmlns:r="http://schemas.openxmlformats.org/officeDocument/2006/relationships" xmlns:p="http://schemas.openxmlformats.org/presentationml/2006/main">
-  <p:cSld>
-    <p:spTree>
-      <p:nvGrpSpPr>
-        <p:cNvPr id="1" name=""/>
-        <p:cNvGrpSpPr/>
-        <p:nvPr/>
-      </p:nvGrpSpPr>
-      <p:grpSpPr>
-        <a:xfrm>
-          <a:off x="0" y="0"/>
-          <a:ext cx="0" cy="0"/>
-          <a:chOff x="0" y="0"/>
-          <a:chExt cx="0" cy="0"/>
-        </a:xfrm>
-      </p:grpSpPr>
-      <p:sp>
-        <p:nvSpPr>
-          <p:cNvPr id="2" name="Title 1"/>
-          <p:cNvSpPr>
-            <a:spLocks noGrp="1"/>
-          </p:cNvSpPr>
-          <p:nvPr>
-            <p:ph type="title"/>
-          </p:nvPr>
-        </p:nvSpPr>
-        <p:spPr/>
-        <p:txBody>
-          <a:bodyPr/>
-          <a:lstStyle/>
-          <a:p>
-            <a:r>
-              <a:rPr lang="en-US" dirty="0" smtClean="0"/>
-              <a:t>Axis Colors</a:t>
-            </a:r>
-            <a:endParaRPr lang="en-US" dirty="0"/>
-          </a:p>
-        </p:txBody>
-      </p:sp>
-      <p:sp>
-        <p:nvSpPr>
-          <p:cNvPr id="3" name="Text Placeholder 2"/>
-          <p:cNvSpPr>
-            <a:spLocks noGrp="1"/>
-          </p:cNvSpPr>
-          <p:nvPr>
-            <p:ph type="body" idx="1"/>
-          </p:nvPr>
-        </p:nvSpPr>
-        <p:spPr/>
-        <p:txBody>
-          <a:bodyPr>
-            <a:noAutofit/>
-          </a:bodyPr>
-          <a:lstStyle/>
-          <a:p>
-            <a:pPr marL="806450" indent="-457200"/>
-            <a:r>
-              <a:rPr lang="en-US" sz="4000" b="1" dirty="0" smtClean="0">
-                <a:latin typeface="+mn-lt"/>
-                <a:cs typeface="Courier New" panose="02070309020205020404" pitchFamily="49" charset="0"/>
-              </a:rPr>
-              <a:t>Red is the X Axis</a:t>
-            </a:r>
-          </a:p>
-          <a:p>
-            <a:pPr marL="806450" indent="-457200"/>
-            <a:r>
-              <a:rPr lang="en-US" sz="4000" b="1" dirty="0" smtClean="0">
-                <a:latin typeface="+mn-lt"/>
-                <a:cs typeface="Courier New" panose="02070309020205020404" pitchFamily="49" charset="0"/>
-              </a:rPr>
-              <a:t>Green is the Y Axis</a:t>
-            </a:r>
-          </a:p>
-          <a:p>
-            <a:pPr marL="806450" indent="-457200"/>
-            <a:r>
-              <a:rPr lang="en-US" sz="4000" b="1" dirty="0" smtClean="0">
-                <a:latin typeface="+mn-lt"/>
-                <a:cs typeface="Courier New" panose="02070309020205020404" pitchFamily="49" charset="0"/>
-              </a:rPr>
-              <a:t>Blue is the Z Axis</a:t>
-            </a:r>
-          </a:p>
-          <a:p>
-            <a:pPr marL="806450" indent="-457200"/>
-            <a:endParaRPr lang="en-US" sz="2400" b="1" i="1" dirty="0">
-              <a:latin typeface="+mn-lt"/>
-              <a:cs typeface="Courier New" panose="02070309020205020404" pitchFamily="49" charset="0"/>
-            </a:endParaRPr>
-          </a:p>
-          <a:p>
-            <a:pPr marL="806450" indent="-457200"/>
-            <a:r>
-              <a:rPr lang="en-US" sz="2400" b="1" i="1" dirty="0" smtClean="0">
-                <a:cs typeface="Courier New" panose="02070309020205020404" pitchFamily="49" charset="0"/>
-              </a:rPr>
-              <a:t>These colors are standard across most applications. </a:t>
-            </a:r>
-            <a:endParaRPr lang="en-US" sz="2400" b="1" i="1" dirty="0">
-              <a:cs typeface="Courier New" panose="02070309020205020404" pitchFamily="49" charset="0"/>
-            </a:endParaRPr>
-          </a:p>
-          <a:p>
-            <a:pPr marL="806450" indent="-457200"/>
-            <a:endParaRPr lang="en-US" sz="4000" b="1" dirty="0" smtClean="0">
-              <a:latin typeface="+mn-lt"/>
-              <a:cs typeface="Courier New" panose="02070309020205020404" pitchFamily="49" charset="0"/>
-            </a:endParaRPr>
-          </a:p>
-        </p:txBody>
-      </p:sp>
-      <p:sp>
-        <p:nvSpPr>
-          <p:cNvPr id="4" name="Text Placeholder 3"/>
-          <p:cNvSpPr>
-            <a:spLocks noGrp="1"/>
-          </p:cNvSpPr>
-          <p:nvPr>
-            <p:ph type="body" idx="2"/>
-          </p:nvPr>
-        </p:nvSpPr>
-        <p:spPr/>
-        <p:txBody>
-          <a:bodyPr/>
-          <a:lstStyle/>
-          <a:p>
-            <a:endParaRPr lang="en-US"/>
-          </a:p>
-        </p:txBody>
-      </p:sp>
-    </p:spTree>
-    <p:extLst>
-      <p:ext uri="{BB962C8B-B14F-4D97-AF65-F5344CB8AC3E}">
-        <p14:creationId xmlns:p14="http://schemas.microsoft.com/office/powerpoint/2010/main" val="1820157601"/>
-      </p:ext>
-    </p:extLst>
-  </p:cSld>
-  <p:clrMapOvr>
-    <a:masterClrMapping/>
-  </p:clrMapOvr>
-  <p:timing>
-    <p:tnLst>
-      <p:par>
-        <p:cTn id="1" dur="indefinite" restart="never" nodeType="tmRoot"/>
-      </p:par>
-    </p:tnLst>
-  </p:timing>
-</p:sld>
-</file>
-
-<file path=ppt/slides/slide5.xml><?xml version="1.0" encoding="utf-8"?>
-<p:sld xmlns:a="http://schemas.openxmlformats.org/drawingml/2006/main" xmlns:r="http://schemas.openxmlformats.org/officeDocument/2006/relationships" xmlns:p="http://schemas.openxmlformats.org/presentationml/2006/main">
-  <p:cSld>
-    <p:spTree>
-      <p:nvGrpSpPr>
-        <p:cNvPr id="1" name=""/>
-        <p:cNvGrpSpPr/>
-        <p:nvPr/>
-      </p:nvGrpSpPr>
-      <p:grpSpPr>
-        <a:xfrm>
-          <a:off x="0" y="0"/>
-          <a:ext cx="0" cy="0"/>
-          <a:chOff x="0" y="0"/>
-          <a:chExt cx="0" cy="0"/>
-        </a:xfrm>
-      </p:grpSpPr>
-      <p:sp>
-        <p:nvSpPr>
-          <p:cNvPr id="2" name="Title 1"/>
-          <p:cNvSpPr>
-            <a:spLocks noGrp="1"/>
-          </p:cNvSpPr>
-          <p:nvPr>
-            <p:ph type="title"/>
-          </p:nvPr>
-        </p:nvSpPr>
-        <p:spPr/>
-        <p:txBody>
-          <a:bodyPr/>
-          <a:lstStyle/>
-          <a:p>
-            <a:r>
-              <a:rPr lang="en-US" dirty="0" smtClean="0"/>
-              <a:t>Unity’s Axis Directions</a:t>
-            </a:r>
-            <a:endParaRPr lang="en-US" dirty="0"/>
-          </a:p>
-        </p:txBody>
-      </p:sp>
-      <p:sp>
-        <p:nvSpPr>
-          <p:cNvPr id="3" name="Text Placeholder 2"/>
-          <p:cNvSpPr>
-            <a:spLocks noGrp="1"/>
-          </p:cNvSpPr>
-          <p:nvPr>
-            <p:ph type="body" idx="1"/>
-          </p:nvPr>
-        </p:nvSpPr>
-        <p:spPr/>
-        <p:txBody>
-          <a:bodyPr>
-            <a:noAutofit/>
-          </a:bodyPr>
-          <a:lstStyle/>
-          <a:p>
-            <a:r>
-              <a:rPr lang="en-US" sz="4000" b="1" dirty="0" smtClean="0">
-                <a:cs typeface="Courier New" panose="02070309020205020404" pitchFamily="49" charset="0"/>
-              </a:rPr>
-              <a:t>Y </a:t>
-            </a:r>
-            <a:r>
-              <a:rPr lang="en-US" sz="4000" b="1" dirty="0">
-                <a:cs typeface="Courier New" panose="02070309020205020404" pitchFamily="49" charset="0"/>
-              </a:rPr>
-              <a:t>is Up</a:t>
-            </a:r>
-          </a:p>
-          <a:p>
-            <a:r>
-              <a:rPr lang="en-US" sz="4000" b="1" dirty="0">
-                <a:cs typeface="Courier New" panose="02070309020205020404" pitchFamily="49" charset="0"/>
-              </a:rPr>
-              <a:t>Z is forward</a:t>
-            </a:r>
-          </a:p>
-          <a:p>
-            <a:r>
-              <a:rPr lang="en-US" sz="4000" b="1" dirty="0">
-                <a:cs typeface="Courier New" panose="02070309020205020404" pitchFamily="49" charset="0"/>
-              </a:rPr>
-              <a:t>X is Right</a:t>
-            </a:r>
-          </a:p>
-        </p:txBody>
-      </p:sp>
-      <p:sp>
-        <p:nvSpPr>
-          <p:cNvPr id="4" name="Text Placeholder 3"/>
-          <p:cNvSpPr>
-            <a:spLocks noGrp="1"/>
-          </p:cNvSpPr>
-          <p:nvPr>
-            <p:ph type="body" idx="2"/>
-          </p:nvPr>
-        </p:nvSpPr>
-        <p:spPr/>
-        <p:txBody>
-          <a:bodyPr/>
-          <a:lstStyle/>
-          <a:p>
-            <a:endParaRPr lang="en-US"/>
-          </a:p>
-        </p:txBody>
-      </p:sp>
-    </p:spTree>
-    <p:extLst>
-      <p:ext uri="{BB962C8B-B14F-4D97-AF65-F5344CB8AC3E}">
-        <p14:creationId xmlns:p14="http://schemas.microsoft.com/office/powerpoint/2010/main" val="624066664"/>
-      </p:ext>
-    </p:extLst>
-  </p:cSld>
-  <p:clrMapOvr>
-    <a:masterClrMapping/>
-  </p:clrMapOvr>
-  <p:timing>
-    <p:tnLst>
-      <p:par>
-        <p:cTn id="1" dur="indefinite" restart="never" nodeType="tmRoot"/>
-      </p:par>
-    </p:tnLst>
-  </p:timing>
-</p:sld>
-</file>
-
-<file path=ppt/slides/slide6.xml><?xml version="1.0" encoding="utf-8"?>
-<p:sld xmlns:a="http://schemas.openxmlformats.org/drawingml/2006/main" xmlns:r="http://schemas.openxmlformats.org/officeDocument/2006/relationships" xmlns:p="http://schemas.openxmlformats.org/presentationml/2006/main">
-  <p:cSld>
-    <p:spTree>
-      <p:nvGrpSpPr>
-        <p:cNvPr id="1" name=""/>
-        <p:cNvGrpSpPr/>
-        <p:nvPr/>
-      </p:nvGrpSpPr>
-      <p:grpSpPr>
-        <a:xfrm>
-          <a:off x="0" y="0"/>
-          <a:ext cx="0" cy="0"/>
-          <a:chOff x="0" y="0"/>
-          <a:chExt cx="0" cy="0"/>
-        </a:xfrm>
-      </p:grpSpPr>
-      <p:sp>
-        <p:nvSpPr>
-          <p:cNvPr id="2" name="Title 1"/>
-          <p:cNvSpPr>
-            <a:spLocks noGrp="1"/>
-          </p:cNvSpPr>
-          <p:nvPr>
-            <p:ph type="title"/>
-          </p:nvPr>
-        </p:nvSpPr>
-        <p:spPr/>
-        <p:txBody>
-          <a:bodyPr/>
-          <a:lstStyle/>
-          <a:p>
-            <a:r>
-              <a:rPr lang="en-US" dirty="0" smtClean="0"/>
-              <a:t>Vector3 Properties</a:t>
-            </a:r>
-            <a:endParaRPr lang="en-US" dirty="0"/>
-          </a:p>
-        </p:txBody>
-      </p:sp>
-      <p:sp>
-        <p:nvSpPr>
-          <p:cNvPr id="3" name="Text Placeholder 2"/>
-          <p:cNvSpPr>
-            <a:spLocks noGrp="1"/>
-          </p:cNvSpPr>
-          <p:nvPr>
-            <p:ph type="body" idx="1"/>
-          </p:nvPr>
-        </p:nvSpPr>
-        <p:spPr/>
-        <p:txBody>
-          <a:bodyPr>
-            <a:noAutofit/>
-          </a:bodyPr>
-          <a:lstStyle/>
-          <a:p>
-            <a:pPr marL="203200" indent="0">
-              <a:buNone/>
-            </a:pPr>
-            <a:r>
-              <a:rPr lang="en-US" sz="2800" b="1" dirty="0" smtClean="0">
-                <a:latin typeface="+mn-lt"/>
-                <a:cs typeface="Courier New" panose="02070309020205020404" pitchFamily="49" charset="0"/>
-              </a:rPr>
-              <a:t>			</a:t>
-            </a:r>
-            <a:r>
-              <a:rPr lang="en-US" sz="2400" dirty="0" smtClean="0">
-                <a:latin typeface="+mn-lt"/>
-                <a:cs typeface="Courier New" panose="02070309020205020404" pitchFamily="49" charset="0"/>
-              </a:rPr>
-              <a:t>Property			Axis		Vector</a:t>
-            </a:r>
-          </a:p>
-          <a:p>
-            <a:pPr marL="203200" indent="0">
-              <a:buNone/>
-            </a:pPr>
-            <a:r>
-              <a:rPr lang="en-US" sz="2800" b="1" dirty="0" smtClean="0">
-                <a:latin typeface="+mn-lt"/>
-                <a:cs typeface="Courier New" panose="02070309020205020404" pitchFamily="49" charset="0"/>
-              </a:rPr>
-              <a:t>			.Left</a:t>
-            </a:r>
-            <a:r>
-              <a:rPr lang="en-US" sz="2800" b="1" dirty="0">
-                <a:latin typeface="+mn-lt"/>
-                <a:cs typeface="Courier New" panose="02070309020205020404" pitchFamily="49" charset="0"/>
-              </a:rPr>
-              <a:t>	</a:t>
-            </a:r>
-            <a:r>
-              <a:rPr lang="en-US" sz="2800" b="1" dirty="0" smtClean="0">
-                <a:latin typeface="+mn-lt"/>
-                <a:cs typeface="Courier New" panose="02070309020205020404" pitchFamily="49" charset="0"/>
-              </a:rPr>
-              <a:t>	</a:t>
-            </a:r>
-            <a:r>
-              <a:rPr lang="en-US" sz="2800" b="1" dirty="0">
-                <a:cs typeface="Courier New" panose="02070309020205020404" pitchFamily="49" charset="0"/>
-              </a:rPr>
-              <a:t>	</a:t>
-            </a:r>
-            <a:r>
-              <a:rPr lang="en-US" sz="2800" b="1" dirty="0" smtClean="0">
-                <a:cs typeface="Courier New" panose="02070309020205020404" pitchFamily="49" charset="0"/>
-              </a:rPr>
-              <a:t>	-X</a:t>
-            </a:r>
-            <a:r>
-              <a:rPr lang="en-US" sz="2800" b="1" dirty="0">
-                <a:cs typeface="Courier New" panose="02070309020205020404" pitchFamily="49" charset="0"/>
-              </a:rPr>
-              <a:t>		</a:t>
-            </a:r>
-            <a:r>
-              <a:rPr lang="en-US" sz="2800" b="1" dirty="0" smtClean="0">
-                <a:cs typeface="Courier New" panose="02070309020205020404" pitchFamily="49" charset="0"/>
-              </a:rPr>
-              <a:t>	(-1,0,0)</a:t>
-            </a:r>
-            <a:endParaRPr lang="en-US" sz="2800" b="1" dirty="0">
-              <a:latin typeface="+mn-lt"/>
-              <a:cs typeface="Courier New" panose="02070309020205020404" pitchFamily="49" charset="0"/>
-            </a:endParaRPr>
-          </a:p>
-          <a:p>
-            <a:pPr marL="203200" indent="0">
-              <a:buNone/>
-            </a:pPr>
-            <a:r>
-              <a:rPr lang="en-US" sz="2800" b="1" dirty="0" smtClean="0">
-                <a:latin typeface="+mn-lt"/>
-                <a:cs typeface="Courier New" panose="02070309020205020404" pitchFamily="49" charset="0"/>
-              </a:rPr>
-              <a:t>			.Right</a:t>
-            </a:r>
-            <a:r>
-              <a:rPr lang="en-US" sz="2800" b="1" dirty="0">
-                <a:cs typeface="Courier New" panose="02070309020205020404" pitchFamily="49" charset="0"/>
-              </a:rPr>
-              <a:t>		</a:t>
-            </a:r>
-            <a:r>
-              <a:rPr lang="en-US" sz="2800" b="1" dirty="0" smtClean="0">
-                <a:cs typeface="Courier New" panose="02070309020205020404" pitchFamily="49" charset="0"/>
-              </a:rPr>
-              <a:t>	+</a:t>
-            </a:r>
-            <a:r>
-              <a:rPr lang="en-US" sz="2800" b="1" dirty="0">
-                <a:cs typeface="Courier New" panose="02070309020205020404" pitchFamily="49" charset="0"/>
-              </a:rPr>
-              <a:t>X</a:t>
-            </a:r>
-            <a:r>
-              <a:rPr lang="en-US" sz="2800" b="1" dirty="0">
-                <a:cs typeface="Courier New" panose="02070309020205020404" pitchFamily="49" charset="0"/>
-              </a:rPr>
-              <a:t>		</a:t>
-            </a:r>
-            <a:r>
-              <a:rPr lang="en-US" sz="2800" b="1" dirty="0" smtClean="0">
-                <a:cs typeface="Courier New" panose="02070309020205020404" pitchFamily="49" charset="0"/>
-              </a:rPr>
-              <a:t>	(1,0,0)</a:t>
-            </a:r>
-            <a:endParaRPr lang="en-US" sz="2800" b="1" dirty="0" smtClean="0">
-              <a:latin typeface="+mn-lt"/>
-              <a:cs typeface="Courier New" panose="02070309020205020404" pitchFamily="49" charset="0"/>
-            </a:endParaRPr>
-          </a:p>
-          <a:p>
-            <a:pPr marL="203200" indent="0">
-              <a:buNone/>
-            </a:pPr>
-            <a:r>
-              <a:rPr lang="en-US" sz="2800" b="1" dirty="0" smtClean="0">
-                <a:latin typeface="+mn-lt"/>
-                <a:cs typeface="Courier New" panose="02070309020205020404" pitchFamily="49" charset="0"/>
-              </a:rPr>
-              <a:t>			.Up		</a:t>
-            </a:r>
-            <a:r>
-              <a:rPr lang="en-US" sz="2800" b="1" dirty="0">
-                <a:cs typeface="Courier New" panose="02070309020205020404" pitchFamily="49" charset="0"/>
-              </a:rPr>
-              <a:t>		</a:t>
-            </a:r>
-            <a:r>
-              <a:rPr lang="en-US" sz="2800" b="1" dirty="0" smtClean="0">
-                <a:cs typeface="Courier New" panose="02070309020205020404" pitchFamily="49" charset="0"/>
-              </a:rPr>
-              <a:t>+Y</a:t>
-            </a:r>
-            <a:r>
-              <a:rPr lang="en-US" sz="2800" b="1" dirty="0">
-                <a:cs typeface="Courier New" panose="02070309020205020404" pitchFamily="49" charset="0"/>
-              </a:rPr>
-              <a:t>		</a:t>
-            </a:r>
-            <a:r>
-              <a:rPr lang="en-US" sz="2800" b="1" dirty="0" smtClean="0">
-                <a:cs typeface="Courier New" panose="02070309020205020404" pitchFamily="49" charset="0"/>
-              </a:rPr>
-              <a:t>	(0,1,0)</a:t>
-            </a:r>
-            <a:endParaRPr lang="en-US" sz="2800" b="1" dirty="0" smtClean="0">
-              <a:latin typeface="+mn-lt"/>
-              <a:cs typeface="Courier New" panose="02070309020205020404" pitchFamily="49" charset="0"/>
-            </a:endParaRPr>
-          </a:p>
-          <a:p>
-            <a:pPr marL="203200" indent="0">
-              <a:buNone/>
-            </a:pPr>
-            <a:r>
-              <a:rPr lang="en-US" sz="2800" b="1" dirty="0" smtClean="0">
-                <a:latin typeface="+mn-lt"/>
-                <a:cs typeface="Courier New" panose="02070309020205020404" pitchFamily="49" charset="0"/>
-              </a:rPr>
-              <a:t>			.Down	</a:t>
-            </a:r>
-            <a:r>
-              <a:rPr lang="en-US" sz="2800" b="1" dirty="0">
-                <a:cs typeface="Courier New" panose="02070309020205020404" pitchFamily="49" charset="0"/>
-              </a:rPr>
-              <a:t>		</a:t>
-            </a:r>
-            <a:r>
-              <a:rPr lang="en-US" sz="2800" b="1" dirty="0" smtClean="0">
-                <a:cs typeface="Courier New" panose="02070309020205020404" pitchFamily="49" charset="0"/>
-              </a:rPr>
-              <a:t>-Y</a:t>
-            </a:r>
-            <a:r>
-              <a:rPr lang="en-US" sz="2800" b="1" dirty="0">
-                <a:cs typeface="Courier New" panose="02070309020205020404" pitchFamily="49" charset="0"/>
-              </a:rPr>
-              <a:t>		</a:t>
-            </a:r>
-            <a:r>
-              <a:rPr lang="en-US" sz="2800" b="1" dirty="0" smtClean="0">
-                <a:cs typeface="Courier New" panose="02070309020205020404" pitchFamily="49" charset="0"/>
-              </a:rPr>
-              <a:t>	(0,-1,0)</a:t>
-            </a:r>
-            <a:endParaRPr lang="en-US" sz="2800" b="1" dirty="0" smtClean="0">
-              <a:latin typeface="+mn-lt"/>
-              <a:cs typeface="Courier New" panose="02070309020205020404" pitchFamily="49" charset="0"/>
-            </a:endParaRPr>
-          </a:p>
-          <a:p>
-            <a:pPr marL="203200" indent="0">
-              <a:buNone/>
-            </a:pPr>
-            <a:r>
-              <a:rPr lang="en-US" sz="2800" b="1" dirty="0" smtClean="0">
-                <a:latin typeface="+mn-lt"/>
-                <a:cs typeface="Courier New" panose="02070309020205020404" pitchFamily="49" charset="0"/>
-              </a:rPr>
-              <a:t>			.Forward		+Z			(0,0,1)</a:t>
-            </a:r>
-            <a:endParaRPr lang="en-US" sz="2800" b="1" dirty="0">
-              <a:latin typeface="+mn-lt"/>
-              <a:cs typeface="Courier New" panose="02070309020205020404" pitchFamily="49" charset="0"/>
-            </a:endParaRPr>
-          </a:p>
-          <a:p>
-            <a:pPr marL="203200" indent="0">
-              <a:buNone/>
-            </a:pPr>
-            <a:r>
-              <a:rPr lang="en-US" sz="2800" b="1" dirty="0" smtClean="0">
-                <a:latin typeface="+mn-lt"/>
-                <a:cs typeface="Courier New" panose="02070309020205020404" pitchFamily="49" charset="0"/>
-              </a:rPr>
-              <a:t>			.Back			-Z			(0,0,-1)</a:t>
-            </a:r>
-            <a:endParaRPr lang="en-US" sz="2800" b="1" dirty="0">
-              <a:latin typeface="+mn-lt"/>
-              <a:cs typeface="Courier New" panose="02070309020205020404" pitchFamily="49" charset="0"/>
-            </a:endParaRPr>
-          </a:p>
-          <a:p>
-            <a:pPr marL="203200" indent="0">
-              <a:buNone/>
-            </a:pPr>
-            <a:endParaRPr lang="en-US" sz="2000" b="1" dirty="0">
-              <a:latin typeface="+mn-lt"/>
-              <a:cs typeface="Courier New" panose="02070309020205020404" pitchFamily="49" charset="0"/>
-            </a:endParaRPr>
-          </a:p>
-        </p:txBody>
-      </p:sp>
-      <p:sp>
-        <p:nvSpPr>
-          <p:cNvPr id="4" name="Text Placeholder 3"/>
-          <p:cNvSpPr>
-            <a:spLocks noGrp="1"/>
-          </p:cNvSpPr>
-          <p:nvPr>
-            <p:ph type="body" idx="2"/>
-          </p:nvPr>
-        </p:nvSpPr>
-        <p:spPr/>
-        <p:txBody>
-          <a:bodyPr/>
-          <a:lstStyle/>
-          <a:p>
-            <a:endParaRPr lang="en-US"/>
-          </a:p>
-        </p:txBody>
-      </p:sp>
-    </p:spTree>
-    <p:extLst>
-      <p:ext uri="{BB962C8B-B14F-4D97-AF65-F5344CB8AC3E}">
-        <p14:creationId xmlns:p14="http://schemas.microsoft.com/office/powerpoint/2010/main" val="937486831"/>
-      </p:ext>
-    </p:extLst>
-  </p:cSld>
-  <p:clrMapOvr>
-    <a:masterClrMapping/>
-  </p:clrMapOvr>
-  <p:timing>
-    <p:tnLst>
-      <p:par>
-        <p:cTn id="1" dur="indefinite" restart="never" nodeType="tmRoot"/>
-      </p:par>
-    </p:tnLst>
-  </p:timing>
-</p:sld>
-</file>
-
-<file path=ppt/slides/slide7.xml><?xml version="1.0" encoding="utf-8"?>
-<p:sld xmlns:a="http://schemas.openxmlformats.org/drawingml/2006/main" xmlns:r="http://schemas.openxmlformats.org/officeDocument/2006/relationships" xmlns:p="http://schemas.openxmlformats.org/presentationml/2006/main">
-  <p:cSld>
-    <p:spTree>
-      <p:nvGrpSpPr>
-        <p:cNvPr id="1" name=""/>
-        <p:cNvGrpSpPr/>
-        <p:nvPr/>
-      </p:nvGrpSpPr>
-      <p:grpSpPr>
-        <a:xfrm>
-          <a:off x="0" y="0"/>
-          <a:ext cx="0" cy="0"/>
-          <a:chOff x="0" y="0"/>
-          <a:chExt cx="0" cy="0"/>
-        </a:xfrm>
-      </p:grpSpPr>
-      <p:sp>
-        <p:nvSpPr>
-          <p:cNvPr id="2" name="Title 1"/>
-          <p:cNvSpPr>
-            <a:spLocks noGrp="1"/>
-          </p:cNvSpPr>
-          <p:nvPr>
-            <p:ph type="title"/>
-          </p:nvPr>
-        </p:nvSpPr>
-        <p:spPr/>
-        <p:txBody>
-          <a:bodyPr/>
-          <a:lstStyle/>
-          <a:p>
-            <a:r>
-              <a:rPr lang="en-US" dirty="0"/>
-              <a:t>Transform Properties</a:t>
-            </a:r>
-            <a:endParaRPr lang="en-US" dirty="0"/>
-          </a:p>
-        </p:txBody>
-      </p:sp>
-      <p:sp>
-        <p:nvSpPr>
-          <p:cNvPr id="3" name="Text Placeholder 2"/>
-          <p:cNvSpPr>
-            <a:spLocks noGrp="1"/>
-          </p:cNvSpPr>
-          <p:nvPr>
-            <p:ph type="body" idx="1"/>
-          </p:nvPr>
-        </p:nvSpPr>
-        <p:spPr/>
-        <p:txBody>
-          <a:bodyPr>
-            <a:noAutofit/>
-          </a:bodyPr>
-          <a:lstStyle/>
-          <a:p>
-            <a:pPr marL="203200" indent="0">
-              <a:buNone/>
-            </a:pPr>
-            <a:r>
-              <a:rPr lang="en-US" sz="2400" dirty="0" smtClean="0">
-                <a:latin typeface="+mj-lt"/>
-                <a:cs typeface="Courier New" panose="02070309020205020404" pitchFamily="49" charset="0"/>
-              </a:rPr>
-              <a:t>		Property		Axis	</a:t>
-            </a:r>
-          </a:p>
-          <a:p>
-            <a:pPr marL="203200" indent="0">
-              <a:buNone/>
-            </a:pPr>
-            <a:r>
-              <a:rPr lang="en-US" sz="2400" b="1" dirty="0" smtClean="0">
-                <a:latin typeface="+mj-lt"/>
-                <a:cs typeface="Courier New" panose="02070309020205020404" pitchFamily="49" charset="0"/>
-              </a:rPr>
-              <a:t>		.Right			Local X Axis (red arrow) </a:t>
-            </a:r>
-          </a:p>
-          <a:p>
-            <a:pPr marL="203200" indent="0">
-              <a:buNone/>
-            </a:pPr>
-            <a:r>
-              <a:rPr lang="en-US" sz="2400" b="1" dirty="0" smtClean="0">
-                <a:latin typeface="+mj-lt"/>
-                <a:cs typeface="Courier New" panose="02070309020205020404" pitchFamily="49" charset="0"/>
-              </a:rPr>
-              <a:t>		</a:t>
-            </a:r>
-            <a:r>
-              <a:rPr lang="en-US" sz="2400" b="1" dirty="0">
-                <a:latin typeface="+mj-lt"/>
-                <a:cs typeface="Courier New" panose="02070309020205020404" pitchFamily="49" charset="0"/>
-              </a:rPr>
-              <a:t>	</a:t>
-            </a:r>
-            <a:r>
-              <a:rPr lang="en-US" sz="2400" b="1" dirty="0" smtClean="0">
-                <a:latin typeface="+mj-lt"/>
-                <a:cs typeface="Courier New" panose="02070309020205020404" pitchFamily="49" charset="0"/>
-              </a:rPr>
-              <a:t>					rotated in world space</a:t>
-            </a:r>
-          </a:p>
-          <a:p>
-            <a:pPr marL="203200" indent="0">
-              <a:buNone/>
-            </a:pPr>
-            <a:r>
-              <a:rPr lang="en-US" sz="2400" b="1" dirty="0" smtClean="0">
-                <a:latin typeface="+mj-lt"/>
-                <a:cs typeface="Courier New" panose="02070309020205020404" pitchFamily="49" charset="0"/>
-              </a:rPr>
-              <a:t>		.Up		</a:t>
-            </a:r>
-            <a:r>
-              <a:rPr lang="en-US" sz="2400" b="1" dirty="0">
-                <a:latin typeface="+mj-lt"/>
-                <a:cs typeface="Courier New" panose="02070309020205020404" pitchFamily="49" charset="0"/>
-              </a:rPr>
-              <a:t>	</a:t>
-            </a:r>
-            <a:r>
-              <a:rPr lang="en-US" sz="2400" b="1" dirty="0" smtClean="0">
-                <a:latin typeface="+mj-lt"/>
-                <a:cs typeface="Courier New" panose="02070309020205020404" pitchFamily="49" charset="0"/>
-              </a:rPr>
-              <a:t>	Local Y Axis (green </a:t>
-            </a:r>
-            <a:r>
-              <a:rPr lang="en-US" sz="2400" b="1" dirty="0">
-                <a:latin typeface="+mj-lt"/>
-                <a:cs typeface="Courier New" panose="02070309020205020404" pitchFamily="49" charset="0"/>
-              </a:rPr>
-              <a:t>arrow) </a:t>
-            </a:r>
-            <a:r>
-              <a:rPr lang="en-US" sz="2400" b="1" dirty="0">
-                <a:cs typeface="Courier New" panose="02070309020205020404" pitchFamily="49" charset="0"/>
-              </a:rPr>
-              <a:t>) </a:t>
-            </a:r>
-          </a:p>
-          <a:p>
-            <a:pPr marL="203200" indent="0">
-              <a:buNone/>
-            </a:pPr>
-            <a:r>
-              <a:rPr lang="en-US" sz="2400" b="1" dirty="0" smtClean="0">
-                <a:cs typeface="Courier New" panose="02070309020205020404" pitchFamily="49" charset="0"/>
-              </a:rPr>
-              <a:t>		</a:t>
-            </a:r>
-            <a:r>
-              <a:rPr lang="en-US" sz="2400" b="1" dirty="0">
-                <a:cs typeface="Courier New" panose="02070309020205020404" pitchFamily="49" charset="0"/>
-              </a:rPr>
-              <a:t>						</a:t>
-            </a:r>
-            <a:r>
-              <a:rPr lang="en-US" sz="2400" b="1" dirty="0" smtClean="0">
-                <a:latin typeface="+mj-lt"/>
-                <a:cs typeface="Courier New" panose="02070309020205020404" pitchFamily="49" charset="0"/>
-              </a:rPr>
-              <a:t>rotated </a:t>
-            </a:r>
-            <a:r>
-              <a:rPr lang="en-US" sz="2400" b="1" dirty="0">
-                <a:latin typeface="+mj-lt"/>
-                <a:cs typeface="Courier New" panose="02070309020205020404" pitchFamily="49" charset="0"/>
-              </a:rPr>
-              <a:t>in world space</a:t>
-            </a:r>
-            <a:endParaRPr lang="en-US" sz="2400" b="1" dirty="0" smtClean="0">
-              <a:latin typeface="+mj-lt"/>
-              <a:cs typeface="Courier New" panose="02070309020205020404" pitchFamily="49" charset="0"/>
-            </a:endParaRPr>
-          </a:p>
-          <a:p>
-            <a:pPr marL="203200" indent="0">
-              <a:buNone/>
-            </a:pPr>
-            <a:r>
-              <a:rPr lang="en-US" sz="2400" b="1" dirty="0" smtClean="0">
-                <a:latin typeface="+mj-lt"/>
-                <a:cs typeface="Courier New" panose="02070309020205020404" pitchFamily="49" charset="0"/>
-              </a:rPr>
-              <a:t>		.Forward		Local </a:t>
-            </a:r>
-            <a:r>
-              <a:rPr lang="en-US" sz="2400" b="1" dirty="0">
-                <a:latin typeface="+mj-lt"/>
-                <a:cs typeface="Courier New" panose="02070309020205020404" pitchFamily="49" charset="0"/>
-              </a:rPr>
-              <a:t>Z</a:t>
-            </a:r>
-            <a:r>
-              <a:rPr lang="en-US" sz="2400" b="1" dirty="0" smtClean="0">
-                <a:latin typeface="+mj-lt"/>
-                <a:cs typeface="Courier New" panose="02070309020205020404" pitchFamily="49" charset="0"/>
-              </a:rPr>
-              <a:t> </a:t>
-            </a:r>
-            <a:r>
-              <a:rPr lang="en-US" sz="2400" b="1" dirty="0">
-                <a:latin typeface="+mj-lt"/>
-                <a:cs typeface="Courier New" panose="02070309020205020404" pitchFamily="49" charset="0"/>
-              </a:rPr>
-              <a:t>Axis </a:t>
-            </a:r>
-            <a:r>
-              <a:rPr lang="en-US" sz="2400" b="1" dirty="0" smtClean="0">
-                <a:latin typeface="+mj-lt"/>
-                <a:cs typeface="Courier New" panose="02070309020205020404" pitchFamily="49" charset="0"/>
-              </a:rPr>
-              <a:t>(blue arrow</a:t>
-            </a:r>
-            <a:r>
-              <a:rPr lang="en-US" sz="2400" b="1" dirty="0">
-                <a:latin typeface="+mj-lt"/>
-                <a:cs typeface="Courier New" panose="02070309020205020404" pitchFamily="49" charset="0"/>
-              </a:rPr>
-              <a:t>) </a:t>
-            </a:r>
-            <a:r>
-              <a:rPr lang="en-US" sz="2400" b="1" dirty="0">
-                <a:cs typeface="Courier New" panose="02070309020205020404" pitchFamily="49" charset="0"/>
-              </a:rPr>
-              <a:t>) </a:t>
-            </a:r>
-          </a:p>
-          <a:p>
-            <a:pPr marL="203200" indent="0">
-              <a:buNone/>
-            </a:pPr>
-            <a:r>
-              <a:rPr lang="en-US" sz="2400" b="1" dirty="0">
-                <a:cs typeface="Courier New" panose="02070309020205020404" pitchFamily="49" charset="0"/>
-              </a:rPr>
-              <a:t>		</a:t>
-            </a:r>
-            <a:r>
-              <a:rPr lang="en-US" sz="2400" b="1" dirty="0" smtClean="0">
-                <a:cs typeface="Courier New" panose="02070309020205020404" pitchFamily="49" charset="0"/>
-              </a:rPr>
-              <a:t>		</a:t>
-            </a:r>
-            <a:r>
-              <a:rPr lang="en-US" sz="2400" b="1" dirty="0">
-                <a:cs typeface="Courier New" panose="02070309020205020404" pitchFamily="49" charset="0"/>
-              </a:rPr>
-              <a:t>				</a:t>
-            </a:r>
-            <a:r>
-              <a:rPr lang="en-US" sz="2400" b="1" dirty="0" smtClean="0">
-                <a:latin typeface="+mj-lt"/>
-                <a:cs typeface="Courier New" panose="02070309020205020404" pitchFamily="49" charset="0"/>
-              </a:rPr>
-              <a:t>rotated </a:t>
-            </a:r>
-            <a:r>
-              <a:rPr lang="en-US" sz="2400" b="1" dirty="0">
-                <a:latin typeface="+mj-lt"/>
-                <a:cs typeface="Courier New" panose="02070309020205020404" pitchFamily="49" charset="0"/>
-              </a:rPr>
-              <a:t>in world space</a:t>
-            </a:r>
-          </a:p>
-          <a:p>
-            <a:pPr marL="203200" indent="0">
-              <a:buNone/>
-            </a:pPr>
-            <a:r>
-              <a:rPr lang="en-US" sz="2400" b="1" dirty="0" smtClean="0">
-                <a:latin typeface="+mj-lt"/>
-                <a:cs typeface="Courier New" panose="02070309020205020404" pitchFamily="49" charset="0"/>
-              </a:rPr>
-              <a:t>			</a:t>
-            </a:r>
-            <a:endParaRPr lang="en-US" sz="2400" b="1" dirty="0">
-              <a:latin typeface="+mj-lt"/>
-              <a:cs typeface="Courier New" panose="02070309020205020404" pitchFamily="49" charset="0"/>
-            </a:endParaRPr>
-          </a:p>
-        </p:txBody>
-      </p:sp>
-      <p:sp>
-        <p:nvSpPr>
-          <p:cNvPr id="4" name="Text Placeholder 3"/>
-          <p:cNvSpPr>
-            <a:spLocks noGrp="1"/>
-          </p:cNvSpPr>
-          <p:nvPr>
-            <p:ph type="body" idx="2"/>
-          </p:nvPr>
-        </p:nvSpPr>
-        <p:spPr/>
-        <p:txBody>
-          <a:bodyPr/>
-          <a:lstStyle/>
-          <a:p>
-            <a:endParaRPr lang="en-US"/>
-          </a:p>
-        </p:txBody>
-      </p:sp>
-    </p:spTree>
-    <p:extLst>
-      <p:ext uri="{BB962C8B-B14F-4D97-AF65-F5344CB8AC3E}">
-        <p14:creationId xmlns:p14="http://schemas.microsoft.com/office/powerpoint/2010/main" val="4218429994"/>
-      </p:ext>
-    </p:extLst>
-  </p:cSld>
-  <p:clrMapOvr>
-    <a:masterClrMapping/>
-  </p:clrMapOvr>
-  <p:timing>
-    <p:tnLst>
-      <p:par>
-        <p:cTn id="1" dur="indefinite" restart="never" nodeType="tmRoot"/>
-      </p:par>
-    </p:tnLst>
-  </p:timing>
 </p:sld>
 </file>
 
@@ -11309,10 +10973,9 @@
           <a:lstStyle/>
           <a:p>
             <a:r>
-              <a:rPr lang="en-US" dirty="0" smtClean="0"/>
+              <a:rPr lang="en-US" dirty="0"/>
               <a:t>Which way am I facing?</a:t>
             </a:r>
-            <a:endParaRPr lang="en-US" dirty="0"/>
           </a:p>
         </p:txBody>
       </p:sp>
@@ -11337,21 +11000,21 @@
               <a:buNone/>
             </a:pPr>
             <a:r>
-              <a:rPr lang="en-US" sz="2400" b="1" dirty="0" smtClean="0">
+              <a:rPr lang="en-US" sz="2400" b="1" dirty="0">
                 <a:latin typeface="+mj-lt"/>
                 <a:cs typeface="Courier New" panose="02070309020205020404" pitchFamily="49" charset="0"/>
               </a:rPr>
               <a:t>To determine the forward facing vector of a </a:t>
             </a:r>
             <a:r>
-              <a:rPr lang="en-US" sz="2400" b="1" dirty="0" err="1" smtClean="0">
+              <a:rPr lang="en-US" sz="2400" b="1" dirty="0" err="1">
                 <a:latin typeface="+mj-lt"/>
                 <a:cs typeface="Courier New" panose="02070309020205020404" pitchFamily="49" charset="0"/>
               </a:rPr>
               <a:t>gameObject</a:t>
             </a:r>
             <a:r>
-              <a:rPr lang="en-US" sz="2400" b="1" dirty="0" smtClean="0">
+              <a:rPr lang="en-US" sz="2400" b="1" dirty="0">
                 <a:latin typeface="+mj-lt"/>
                 <a:cs typeface="Courier New" panose="02070309020205020404" pitchFamily="49" charset="0"/>
               </a:rPr>
@@ -11362,7 +11025,7 @@
             <a:pPr marL="203200" indent="0">
               <a:buNone/>
             </a:pPr>
-            <a:endParaRPr lang="en-US" sz="2400" dirty="0" smtClean="0">
+            <a:endParaRPr lang="en-US" sz="2400" dirty="0">
               <a:latin typeface="+mj-lt"/>
               <a:cs typeface="Courier New" panose="02070309020205020404" pitchFamily="49" charset="0"/>
             </a:endParaRPr>
@@ -11372,20 +11035,20 @@
               <a:buNone/>
             </a:pPr>
             <a:r>
-              <a:rPr lang="en-US" sz="4000" smtClean="0">
+              <a:rPr lang="en-US" sz="4000">
                 <a:latin typeface="Courier New" panose="02070309020205020404" pitchFamily="49" charset="0"/>
                 <a:cs typeface="Courier New" panose="02070309020205020404" pitchFamily="49" charset="0"/>
               </a:rPr>
               <a:t>transform.Forward</a:t>
             </a:r>
             <a:r>
-              <a:rPr lang="en-US" sz="4000" dirty="0" smtClean="0">
+              <a:rPr lang="en-US" sz="4000" dirty="0">
                 <a:latin typeface="Courier New" panose="02070309020205020404" pitchFamily="49" charset="0"/>
                 <a:cs typeface="Courier New" panose="02070309020205020404" pitchFamily="49" charset="0"/>
               </a:rPr>
               <a:t>;</a:t>
             </a:r>
-            <a:endParaRPr lang="en-US" sz="2400" dirty="0" smtClean="0">
+            <a:endParaRPr lang="en-US" sz="2400" dirty="0">
               <a:latin typeface="Courier New" panose="02070309020205020404" pitchFamily="49" charset="0"/>
               <a:cs typeface="Courier New" panose="02070309020205020404" pitchFamily="49" charset="0"/>
             </a:endParaRPr>
@@ -11395,16 +11058,12 @@
               <a:buNone/>
             </a:pPr>
             <a:r>
-              <a:rPr lang="en-US" sz="2400" dirty="0" smtClean="0">
+              <a:rPr lang="en-US" sz="2400" dirty="0">
                 <a:latin typeface="+mj-lt"/>
                 <a:cs typeface="Courier New" panose="02070309020205020404" pitchFamily="49" charset="0"/>
               </a:rPr>
               <a:t>	</a:t>
             </a:r>
-            <a:endParaRPr lang="en-US" sz="2400" dirty="0">
-              <a:latin typeface="+mj-lt"/>
-              <a:cs typeface="Courier New" panose="02070309020205020404" pitchFamily="49" charset="0"/>
-            </a:endParaRPr>
           </a:p>
         </p:txBody>
       </p:sp>
@@ -11437,13 +11096,6 @@
   <p:clrMapOvr>
     <a:masterClrMapping/>
   </p:clrMapOvr>
-  <p:timing>
-    <p:tnLst>
-      <p:par>
-        <p:cTn id="1" dur="indefinite" restart="never" nodeType="tmRoot"/>
-      </p:par>
-    </p:tnLst>
-  </p:timing>
 </p:sld>
 </file>
 

--- a/LABS/LAB04/LAB04-VectorsVSTransform.pptx
+++ b/LABS/LAB04/LAB04-VectorsVSTransform.pptx
@@ -11031,15 +11031,57 @@
             </a:endParaRPr>
           </a:p>
           <a:p>
+            <a:pPr marL="203200" indent="0">
+              <a:buNone/>
+            </a:pPr>
+            <a:endParaRPr lang="en-US" sz="2400" dirty="0">
+              <a:latin typeface="+mj-lt"/>
+              <a:cs typeface="Courier New" panose="02070309020205020404" pitchFamily="49" charset="0"/>
+            </a:endParaRPr>
+          </a:p>
+          <a:p>
             <a:pPr marL="203200" indent="0" algn="ctr">
               <a:buNone/>
             </a:pPr>
             <a:r>
-              <a:rPr lang="en-US" sz="4000">
+              <a:rPr lang="en-US" sz="4000" dirty="0">
                 <a:latin typeface="Courier New" panose="02070309020205020404" pitchFamily="49" charset="0"/>
                 <a:cs typeface="Courier New" panose="02070309020205020404" pitchFamily="49" charset="0"/>
               </a:rPr>
-              <a:t>transform.Forward</a:t>
+              <a:t>(</a:t>
+            </a:r>
+            <a:r>
+              <a:rPr lang="en-US" sz="4000" dirty="0" err="1">
+                <a:latin typeface="Courier New" panose="02070309020205020404" pitchFamily="49" charset="0"/>
+                <a:cs typeface="Courier New" panose="02070309020205020404" pitchFamily="49" charset="0"/>
+              </a:rPr>
+              <a:t>GameObject</a:t>
+            </a:r>
+            <a:r>
+              <a:rPr lang="en-US" sz="4000" dirty="0">
+                <a:latin typeface="Courier New" panose="02070309020205020404" pitchFamily="49" charset="0"/>
+                <a:cs typeface="Courier New" panose="02070309020205020404" pitchFamily="49" charset="0"/>
+              </a:rPr>
+              <a:t> Reference)</a:t>
+            </a:r>
+          </a:p>
+          <a:p>
+            <a:pPr marL="203200" indent="0" algn="ctr">
+              <a:buNone/>
+            </a:pPr>
+            <a:r>
+              <a:rPr lang="en-US" sz="4000" dirty="0">
+                <a:latin typeface="Courier New" panose="02070309020205020404" pitchFamily="49" charset="0"/>
+                <a:cs typeface="Courier New" panose="02070309020205020404" pitchFamily="49" charset="0"/>
+              </a:rPr>
+              <a:t>.</a:t>
+            </a:r>
+            <a:r>
+              <a:rPr lang="en-US" sz="4000" dirty="0" err="1">
+                <a:latin typeface="Courier New" panose="02070309020205020404" pitchFamily="49" charset="0"/>
+                <a:cs typeface="Courier New" panose="02070309020205020404" pitchFamily="49" charset="0"/>
+              </a:rPr>
+              <a:t>transform.forward</a:t>
             </a:r>
             <a:r>
               <a:rPr lang="en-US" sz="4000" dirty="0">
